--- a/課題研究/2016/岩橋瑠伊/最終発表/1442014_岩橋瑠伊-ポスター.pptx
+++ b/課題研究/2016/岩橋瑠伊/最終発表/1442014_岩橋瑠伊-ポスター.pptx
@@ -3753,7 +3753,7 @@
                 </a:effectLst>
                 <a:latin typeface="+mj-lt"/>
               </a:rPr>
-              <a:t>リツイートユーザーリストとツイートの関係分析</a:t>
+              <a:t>リツイートユーザーとツイートの関係分析</a:t>
             </a:r>
             <a:endParaRPr lang="en-US" altLang="ja-JP" sz="6600" dirty="0">
               <a:effectLst>
@@ -3777,7 +3777,7 @@
         </p:nvSpPr>
         <p:spPr>
           <a:xfrm>
-            <a:off x="451425" y="1702035"/>
+            <a:off x="-104118" y="1409821"/>
             <a:ext cx="21386800" cy="1129112"/>
           </a:xfrm>
           <a:prstGeom prst="rect">
@@ -3827,7 +3827,7 @@
         </p:nvSpPr>
         <p:spPr>
           <a:xfrm>
-            <a:off x="460414" y="2929412"/>
+            <a:off x="460414" y="2472214"/>
             <a:ext cx="1759899" cy="984885"/>
           </a:xfrm>
           <a:prstGeom prst="rect">
@@ -3948,8 +3948,8 @@
         </p:nvSpPr>
         <p:spPr>
           <a:xfrm>
-            <a:off x="12573645" y="6143404"/>
-            <a:ext cx="8329303" cy="2944245"/>
+            <a:off x="12573645" y="5829685"/>
+            <a:ext cx="8329303" cy="2123658"/>
           </a:xfrm>
           <a:prstGeom prst="roundRect">
             <a:avLst/>
@@ -3989,8 +3989,8 @@
         </p:nvSpPr>
         <p:spPr>
           <a:xfrm>
-            <a:off x="12837895" y="6286882"/>
-            <a:ext cx="8065053" cy="2800767"/>
+            <a:off x="12705769" y="5864031"/>
+            <a:ext cx="8065053" cy="2123658"/>
           </a:xfrm>
           <a:prstGeom prst="rect">
             <a:avLst/>
@@ -4009,54 +4009,7 @@
                   <a:srgbClr val="00B0F0"/>
                 </a:solidFill>
               </a:rPr>
-              <a:t>そこで</a:t>
-            </a:r>
-            <a:r>
-              <a:rPr lang="en-US" altLang="ja-JP" sz="4400" dirty="0">
-                <a:solidFill>
-                  <a:srgbClr val="00B0F0"/>
-                </a:solidFill>
-              </a:rPr>
-              <a:t>,</a:t>
-            </a:r>
-            <a:r>
-              <a:rPr lang="ja-JP" altLang="en-US" sz="4400" dirty="0">
-                <a:solidFill>
-                  <a:srgbClr val="00B0F0"/>
-                </a:solidFill>
-              </a:rPr>
-              <a:t>この関係性を深める条件を発見すれば</a:t>
-            </a:r>
-            <a:r>
-              <a:rPr lang="en-US" altLang="ja-JP" sz="4400" dirty="0">
-                <a:solidFill>
-                  <a:srgbClr val="00B0F0"/>
-                </a:solidFill>
-              </a:rPr>
-              <a:t>,Twitter</a:t>
-            </a:r>
-            <a:r>
-              <a:rPr lang="ja-JP" altLang="en-US" sz="4400" dirty="0">
-                <a:solidFill>
-                  <a:srgbClr val="00B0F0"/>
-                </a:solidFill>
-              </a:rPr>
-              <a:t>で広告を行</a:t>
-            </a:r>
-            <a:endParaRPr lang="en-US" altLang="ja-JP" sz="4400" dirty="0">
-              <a:solidFill>
-                <a:srgbClr val="00B0F0"/>
-              </a:solidFill>
-            </a:endParaRPr>
-          </a:p>
-          <a:p>
-            <a:r>
-              <a:rPr lang="ja-JP" altLang="en-US" sz="4400" dirty="0">
-                <a:solidFill>
-                  <a:srgbClr val="00B0F0"/>
-                </a:solidFill>
-              </a:rPr>
-              <a:t>う企業のツイートを作成する手助けとなるのではないかと考えた</a:t>
+              <a:t>この関係性の強弱をツイートの条件によって予測できるのではないかと考えた</a:t>
             </a:r>
             <a:r>
               <a:rPr lang="en-US" altLang="ja-JP" sz="4400" dirty="0">
@@ -4066,11 +4019,6 @@
               </a:rPr>
               <a:t>.</a:t>
             </a:r>
-            <a:endParaRPr kumimoji="1" lang="ja-JP" altLang="en-US" sz="4800" dirty="0">
-              <a:solidFill>
-                <a:srgbClr val="00B0F0"/>
-              </a:solidFill>
-            </a:endParaRPr>
           </a:p>
         </p:txBody>
       </p:sp>
@@ -4098,23 +4046,47 @@
           <a:p>
             <a:r>
               <a:rPr lang="ja-JP" altLang="en-US" sz="4400" dirty="0"/>
-              <a:t>リツイート数の多いツイートのリツイートユーザーリストを調べ</a:t>
+              <a:t>ツイート内容</a:t>
             </a:r>
             <a:r>
               <a:rPr lang="en-US" altLang="ja-JP" sz="4400" dirty="0"/>
-              <a:t>, </a:t>
+              <a:t>,</a:t>
             </a:r>
             <a:r>
               <a:rPr lang="ja-JP" altLang="en-US" sz="4400" dirty="0"/>
-              <a:t>リツイートしたユーザーとリツイートされたツイートに関係があるか調べることにより</a:t>
+              <a:t>公式アカウントであるか非公式アカウントであるか</a:t>
             </a:r>
             <a:r>
               <a:rPr lang="en-US" altLang="ja-JP" sz="4400" dirty="0"/>
-              <a:t>, </a:t>
+              <a:t>,</a:t>
             </a:r>
             <a:r>
               <a:rPr lang="ja-JP" altLang="en-US" sz="4400" dirty="0"/>
-              <a:t>様々な条件においてのユーザーとツイートの相関の変化を記録する</a:t>
+              <a:t>フォローフォロワー数等の条件変化の下で</a:t>
+            </a:r>
+            <a:r>
+              <a:rPr lang="en-US" altLang="ja-JP" sz="4400" dirty="0"/>
+              <a:t>,</a:t>
+            </a:r>
+            <a:r>
+              <a:rPr lang="ja-JP" altLang="en-US" sz="4400" dirty="0"/>
+              <a:t>ツイート内容と</a:t>
+            </a:r>
+            <a:r>
+              <a:rPr lang="en-US" altLang="ja-JP" sz="4400" dirty="0"/>
+              <a:t>,</a:t>
+            </a:r>
+            <a:r>
+              <a:rPr lang="ja-JP" altLang="en-US" sz="4400" dirty="0"/>
+              <a:t>リツイートユーザーのツイートの特徴の</a:t>
+            </a:r>
+            <a:r>
+              <a:rPr lang="en-US" altLang="ja-JP" sz="4400" dirty="0"/>
+              <a:t>,</a:t>
+            </a:r>
+            <a:r>
+              <a:rPr lang="ja-JP" altLang="en-US" sz="4400" dirty="0"/>
+              <a:t>相関の変化を明らかにする</a:t>
             </a:r>
             <a:r>
               <a:rPr lang="en-US" altLang="ja-JP" sz="4400" dirty="0"/>
@@ -4168,7 +4140,7 @@
         <p:spPr>
           <a:xfrm>
             <a:off x="460413" y="14494120"/>
-            <a:ext cx="20170091" cy="5683380"/>
+            <a:ext cx="20310409" cy="5683380"/>
           </a:xfrm>
           <a:prstGeom prst="roundRect">
             <a:avLst/>
@@ -4209,7 +4181,7 @@
         <p:spPr>
           <a:xfrm>
             <a:off x="731633" y="14631997"/>
-            <a:ext cx="19871145" cy="5509200"/>
+            <a:ext cx="20171316" cy="5509200"/>
           </a:xfrm>
           <a:prstGeom prst="rect">
             <a:avLst/>
@@ -4217,7 +4189,7 @@
           <a:noFill/>
         </p:spPr>
         <p:txBody>
-          <a:bodyPr wrap="none" rtlCol="0">
+          <a:bodyPr wrap="square" rtlCol="0">
             <a:spAutoFit/>
           </a:bodyPr>
           <a:lstStyle/>
@@ -4243,12 +4215,12 @@
               <a:t>以上されているツイートの</a:t>
             </a:r>
             <a:r>
-              <a:rPr kumimoji="1" lang="en-US" altLang="ja-JP" sz="4400" dirty="0"/>
-              <a:t>RT</a:t>
+              <a:rPr lang="ja-JP" altLang="en-US" sz="4400" dirty="0"/>
+              <a:t>リツイート</a:t>
             </a:r>
             <a:r>
               <a:rPr kumimoji="1" lang="ja-JP" altLang="en-US" sz="4400" dirty="0"/>
-              <a:t>ユーザーリストから</a:t>
+              <a:t>ユーザーから</a:t>
             </a:r>
             <a:r>
               <a:rPr kumimoji="1" lang="en-US" altLang="ja-JP" sz="4400" dirty="0"/>
@@ -4267,7 +4239,7 @@
             </a:r>
             <a:r>
               <a:rPr kumimoji="1" lang="ja-JP" altLang="en-US" sz="4400" dirty="0"/>
-              <a:t>のユーザーを取得する</a:t>
+              <a:t>のリツイートユーザーを取得する</a:t>
             </a:r>
             <a:endParaRPr kumimoji="1" lang="en-US" altLang="ja-JP" sz="4400" dirty="0"/>
           </a:p>
@@ -4278,7 +4250,7 @@
             </a:r>
             <a:r>
               <a:rPr lang="ja-JP" altLang="en-US" sz="4400" dirty="0"/>
-              <a:t>取得したユーザーの最新のツイートから数えて</a:t>
+              <a:t>取得したリツイートユーザーの最新のツイートから数えて</a:t>
             </a:r>
             <a:r>
               <a:rPr lang="en-US" altLang="ja-JP" sz="4400" dirty="0"/>
@@ -4365,11 +4337,11 @@
             </a:r>
             <a:r>
               <a:rPr lang="en-US" altLang="ja-JP" sz="4400" dirty="0"/>
-              <a:t>,</a:t>
+              <a:t>,1</a:t>
             </a:r>
             <a:r>
               <a:rPr lang="ja-JP" altLang="en-US" sz="4400" dirty="0"/>
-              <a:t>一つでもリツイートされたツイートの内容と関連</a:t>
+              <a:t>つでもリツイートされたツイートの内容と関連</a:t>
             </a:r>
             <a:endParaRPr lang="en-US" altLang="ja-JP" sz="4400" dirty="0"/>
           </a:p>
@@ -4391,13 +4363,20 @@
           <a:p>
             <a:r>
               <a:rPr lang="ja-JP" altLang="en-US" sz="4400" dirty="0"/>
-              <a:t>    係があると判断する</a:t>
+              <a:t>    係があると判断し</a:t>
+            </a:r>
+            <a:r>
+              <a:rPr lang="en-US" altLang="ja-JP" sz="4400" dirty="0"/>
+              <a:t>,</a:t>
+            </a:r>
+            <a:r>
+              <a:rPr lang="ja-JP" altLang="en-US" sz="4400" dirty="0"/>
+              <a:t>そうでない場合は無関係と判断する</a:t>
             </a:r>
             <a:r>
               <a:rPr lang="en-US" altLang="ja-JP" sz="4400" dirty="0"/>
               <a:t>.</a:t>
             </a:r>
-            <a:endParaRPr kumimoji="1" lang="ja-JP" altLang="en-US" sz="4400" dirty="0"/>
           </a:p>
         </p:txBody>
       </p:sp>
@@ -4569,7 +4548,7 @@
             </a:r>
             <a:r>
               <a:rPr lang="ja-JP" altLang="en-US" sz="4400" dirty="0"/>
-              <a:t>人一致となった</a:t>
+              <a:t>人関係性があるという結果が出た</a:t>
             </a:r>
             <a:r>
               <a:rPr lang="en-US" altLang="ja-JP" sz="4400" dirty="0"/>
@@ -4630,7 +4609,7 @@
             </a:r>
             <a:r>
               <a:rPr lang="ja-JP" altLang="en-US" sz="4400" dirty="0"/>
-              <a:t>人一致となった</a:t>
+              <a:t>人関係性があるという結果が出た</a:t>
             </a:r>
             <a:r>
               <a:rPr lang="en-US" altLang="ja-JP" sz="4400" dirty="0"/>
@@ -4683,7 +4662,7 @@
             </a:r>
             <a:r>
               <a:rPr lang="ja-JP" altLang="en-US" sz="4400" dirty="0"/>
-              <a:t>人一致となった</a:t>
+              <a:t>人関係性があるという結果が出た</a:t>
             </a:r>
             <a:r>
               <a:rPr lang="en-US" altLang="ja-JP" sz="4400" dirty="0"/>
@@ -4846,7 +4825,7 @@
         </p:blipFill>
         <p:spPr>
           <a:xfrm>
-            <a:off x="2220313" y="6775929"/>
+            <a:off x="2220313" y="6318731"/>
             <a:ext cx="1976928" cy="1954778"/>
           </a:xfrm>
           <a:prstGeom prst="rect">
@@ -4876,7 +4855,7 @@
         </p:blipFill>
         <p:spPr>
           <a:xfrm>
-            <a:off x="2488659" y="2929412"/>
+            <a:off x="2488659" y="2472214"/>
             <a:ext cx="2064623" cy="2064623"/>
           </a:xfrm>
           <a:prstGeom prst="rect">
@@ -4892,7 +4871,7 @@
         </p:nvSpPr>
         <p:spPr>
           <a:xfrm>
-            <a:off x="1685833" y="4876538"/>
+            <a:off x="1685833" y="4419340"/>
             <a:ext cx="5032773" cy="769441"/>
           </a:xfrm>
           <a:prstGeom prst="rect">
@@ -4933,7 +4912,7 @@
         </p:nvSpPr>
         <p:spPr>
           <a:xfrm>
-            <a:off x="2596020" y="5534939"/>
+            <a:off x="2596020" y="5077741"/>
             <a:ext cx="951606" cy="1104722"/>
           </a:xfrm>
           <a:prstGeom prst="upArrow">
@@ -4973,8 +4952,8 @@
         </p:nvSpPr>
         <p:spPr>
           <a:xfrm>
-            <a:off x="1031239" y="8624754"/>
-            <a:ext cx="5032773" cy="769441"/>
+            <a:off x="898564" y="8226098"/>
+            <a:ext cx="5032773" cy="1446550"/>
           </a:xfrm>
           <a:prstGeom prst="rect">
             <a:avLst/>
@@ -4988,6 +4967,29 @@
           <a:lstStyle/>
           <a:p>
             <a:r>
+              <a:rPr lang="en-US" altLang="ja-JP" sz="4400" dirty="0">
+                <a:solidFill>
+                  <a:srgbClr val="00B050"/>
+                </a:solidFill>
+              </a:rPr>
+              <a:t>A</a:t>
+            </a:r>
+            <a:r>
+              <a:rPr lang="ja-JP" altLang="en-US" sz="4400" dirty="0">
+                <a:solidFill>
+                  <a:srgbClr val="00B050"/>
+                </a:solidFill>
+              </a:rPr>
+              <a:t>のツイートに対する</a:t>
+            </a:r>
+            <a:endParaRPr lang="en-US" altLang="ja-JP" sz="4400" dirty="0">
+              <a:solidFill>
+                <a:srgbClr val="00B050"/>
+              </a:solidFill>
+            </a:endParaRPr>
+          </a:p>
+          <a:p>
+            <a:r>
               <a:rPr lang="ja-JP" altLang="en-US" sz="4400" dirty="0">
                 <a:solidFill>
                   <a:srgbClr val="00B050"/>
@@ -5011,7 +5013,7 @@
         </p:nvSpPr>
         <p:spPr>
           <a:xfrm>
-            <a:off x="6021641" y="8451630"/>
+            <a:off x="6021641" y="8223031"/>
             <a:ext cx="6158218" cy="1446550"/>
           </a:xfrm>
           <a:prstGeom prst="rect">
@@ -5097,7 +5099,7 @@
         </p:nvSpPr>
         <p:spPr>
           <a:xfrm>
-            <a:off x="4335626" y="7388792"/>
+            <a:off x="4335626" y="6931594"/>
             <a:ext cx="3600400" cy="712450"/>
           </a:xfrm>
           <a:prstGeom prst="rightArrow">
@@ -5137,7 +5139,7 @@
         </p:nvSpPr>
         <p:spPr>
           <a:xfrm rot="18383770">
-            <a:off x="5643479" y="3331717"/>
+            <a:off x="5643479" y="2874519"/>
             <a:ext cx="800901" cy="4680666"/>
           </a:xfrm>
           <a:prstGeom prst="upDownArrow">
@@ -5177,7 +5179,7 @@
         </p:nvSpPr>
         <p:spPr>
           <a:xfrm>
-            <a:off x="6856907" y="3043538"/>
+            <a:off x="6856907" y="2586340"/>
             <a:ext cx="5396029" cy="2123658"/>
           </a:xfrm>
           <a:prstGeom prst="rect">
@@ -5278,7 +5280,7 @@
         </p:blipFill>
         <p:spPr>
           <a:xfrm>
-            <a:off x="5396154" y="4916499"/>
+            <a:off x="5396154" y="4459301"/>
             <a:ext cx="1543262" cy="1543262"/>
           </a:xfrm>
           <a:prstGeom prst="rect">
@@ -5294,8 +5296,8 @@
         </p:nvSpPr>
         <p:spPr>
           <a:xfrm rot="10800000" flipH="1">
-            <a:off x="12179859" y="3763674"/>
-            <a:ext cx="5523270" cy="2173003"/>
+            <a:off x="12179859" y="3306473"/>
+            <a:ext cx="5066269" cy="2399707"/>
           </a:xfrm>
           <a:prstGeom prst="bentUpArrow">
             <a:avLst/>
@@ -5348,7 +5350,7 @@
         </p:blipFill>
         <p:spPr>
           <a:xfrm>
-            <a:off x="7937531" y="6761982"/>
+            <a:off x="7937531" y="6304784"/>
             <a:ext cx="1672515" cy="1672515"/>
           </a:xfrm>
           <a:prstGeom prst="rect">

--- a/課題研究/2016/岩橋瑠伊/最終発表/1442014_岩橋瑠伊-ポスター.pptx
+++ b/課題研究/2016/岩橋瑠伊/最終発表/1442014_岩橋瑠伊-ポスター.pptx
@@ -211,7 +211,7 @@
           <a:p>
             <a:fld id="{1355B614-8C80-42CD-A0C7-A8AC0A708725}" type="datetimeFigureOut">
               <a:rPr kumimoji="1" lang="ja-JP" altLang="en-US" smtClean="0"/>
-              <a:t>2016/12/9</a:t>
+              <a:t>2016/12/12</a:t>
             </a:fld>
             <a:endParaRPr kumimoji="1" lang="ja-JP" altLang="en-US"/>
           </a:p>
@@ -723,7 +723,7 @@
           <a:p>
             <a:fld id="{CD18CB5A-6947-405F-A94A-52FF85729738}" type="datetimeFigureOut">
               <a:rPr kumimoji="1" lang="ja-JP" altLang="en-US" smtClean="0"/>
-              <a:t>2016/12/9</a:t>
+              <a:t>2016/12/12</a:t>
             </a:fld>
             <a:endParaRPr kumimoji="1" lang="ja-JP" altLang="en-US"/>
           </a:p>
@@ -923,7 +923,7 @@
           <a:p>
             <a:fld id="{CD18CB5A-6947-405F-A94A-52FF85729738}" type="datetimeFigureOut">
               <a:rPr kumimoji="1" lang="ja-JP" altLang="en-US" smtClean="0"/>
-              <a:t>2016/12/9</a:t>
+              <a:t>2016/12/12</a:t>
             </a:fld>
             <a:endParaRPr kumimoji="1" lang="ja-JP" altLang="en-US"/>
           </a:p>
@@ -1133,7 +1133,7 @@
           <a:p>
             <a:fld id="{CD18CB5A-6947-405F-A94A-52FF85729738}" type="datetimeFigureOut">
               <a:rPr kumimoji="1" lang="ja-JP" altLang="en-US" smtClean="0"/>
-              <a:t>2016/12/9</a:t>
+              <a:t>2016/12/12</a:t>
             </a:fld>
             <a:endParaRPr kumimoji="1" lang="ja-JP" altLang="en-US"/>
           </a:p>
@@ -1333,7 +1333,7 @@
           <a:p>
             <a:fld id="{CD18CB5A-6947-405F-A94A-52FF85729738}" type="datetimeFigureOut">
               <a:rPr kumimoji="1" lang="ja-JP" altLang="en-US" smtClean="0"/>
-              <a:t>2016/12/9</a:t>
+              <a:t>2016/12/12</a:t>
             </a:fld>
             <a:endParaRPr kumimoji="1" lang="ja-JP" altLang="en-US"/>
           </a:p>
@@ -1578,7 +1578,7 @@
           <a:p>
             <a:fld id="{CD18CB5A-6947-405F-A94A-52FF85729738}" type="datetimeFigureOut">
               <a:rPr kumimoji="1" lang="ja-JP" altLang="en-US" smtClean="0"/>
-              <a:t>2016/12/9</a:t>
+              <a:t>2016/12/12</a:t>
             </a:fld>
             <a:endParaRPr kumimoji="1" lang="ja-JP" altLang="en-US"/>
           </a:p>
@@ -1871,7 +1871,7 @@
           <a:p>
             <a:fld id="{CD18CB5A-6947-405F-A94A-52FF85729738}" type="datetimeFigureOut">
               <a:rPr kumimoji="1" lang="ja-JP" altLang="en-US" smtClean="0"/>
-              <a:t>2016/12/9</a:t>
+              <a:t>2016/12/12</a:t>
             </a:fld>
             <a:endParaRPr kumimoji="1" lang="ja-JP" altLang="en-US"/>
           </a:p>
@@ -2299,7 +2299,7 @@
           <a:p>
             <a:fld id="{CD18CB5A-6947-405F-A94A-52FF85729738}" type="datetimeFigureOut">
               <a:rPr kumimoji="1" lang="ja-JP" altLang="en-US" smtClean="0"/>
-              <a:t>2016/12/9</a:t>
+              <a:t>2016/12/12</a:t>
             </a:fld>
             <a:endParaRPr kumimoji="1" lang="ja-JP" altLang="en-US"/>
           </a:p>
@@ -2416,7 +2416,7 @@
           <a:p>
             <a:fld id="{CD18CB5A-6947-405F-A94A-52FF85729738}" type="datetimeFigureOut">
               <a:rPr kumimoji="1" lang="ja-JP" altLang="en-US" smtClean="0"/>
-              <a:t>2016/12/9</a:t>
+              <a:t>2016/12/12</a:t>
             </a:fld>
             <a:endParaRPr kumimoji="1" lang="ja-JP" altLang="en-US"/>
           </a:p>
@@ -2511,7 +2511,7 @@
           <a:p>
             <a:fld id="{CD18CB5A-6947-405F-A94A-52FF85729738}" type="datetimeFigureOut">
               <a:rPr kumimoji="1" lang="ja-JP" altLang="en-US" smtClean="0"/>
-              <a:t>2016/12/9</a:t>
+              <a:t>2016/12/12</a:t>
             </a:fld>
             <a:endParaRPr kumimoji="1" lang="ja-JP" altLang="en-US"/>
           </a:p>
@@ -2818,7 +2818,7 @@
           <a:p>
             <a:fld id="{CD18CB5A-6947-405F-A94A-52FF85729738}" type="datetimeFigureOut">
               <a:rPr kumimoji="1" lang="ja-JP" altLang="en-US" smtClean="0"/>
-              <a:t>2016/12/9</a:t>
+              <a:t>2016/12/12</a:t>
             </a:fld>
             <a:endParaRPr kumimoji="1" lang="ja-JP" altLang="en-US"/>
           </a:p>
@@ -3070,7 +3070,7 @@
           <a:p>
             <a:fld id="{CD18CB5A-6947-405F-A94A-52FF85729738}" type="datetimeFigureOut">
               <a:rPr kumimoji="1" lang="ja-JP" altLang="en-US" smtClean="0"/>
-              <a:t>2016/12/9</a:t>
+              <a:t>2016/12/12</a:t>
             </a:fld>
             <a:endParaRPr kumimoji="1" lang="ja-JP" altLang="en-US"/>
           </a:p>
@@ -3313,7 +3313,7 @@
           <a:p>
             <a:fld id="{CD18CB5A-6947-405F-A94A-52FF85729738}" type="datetimeFigureOut">
               <a:rPr kumimoji="1" lang="ja-JP" altLang="en-US" smtClean="0"/>
-              <a:t>2016/12/9</a:t>
+              <a:t>2016/12/12</a:t>
             </a:fld>
             <a:endParaRPr kumimoji="1" lang="ja-JP" altLang="en-US"/>
           </a:p>
@@ -3903,7 +3903,7 @@
         <p:spPr>
           <a:xfrm>
             <a:off x="548060" y="10894363"/>
-            <a:ext cx="20082444" cy="2243225"/>
+            <a:ext cx="20082444" cy="1592753"/>
           </a:xfrm>
           <a:prstGeom prst="roundRect">
             <a:avLst/>
@@ -4031,7 +4031,7 @@
         <p:spPr>
           <a:xfrm>
             <a:off x="731633" y="11013930"/>
-            <a:ext cx="20069979" cy="2123658"/>
+            <a:ext cx="20069979" cy="1446550"/>
           </a:xfrm>
           <a:prstGeom prst="rect">
             <a:avLst/>
@@ -4046,7 +4046,7 @@
           <a:p>
             <a:r>
               <a:rPr lang="ja-JP" altLang="en-US" sz="4400" dirty="0"/>
-              <a:t>ツイート内容</a:t>
+              <a:t>リツイートされたツイートの趣旨と</a:t>
             </a:r>
             <a:r>
               <a:rPr lang="en-US" altLang="ja-JP" sz="4400" dirty="0"/>
@@ -4054,39 +4054,7 @@
             </a:r>
             <a:r>
               <a:rPr lang="ja-JP" altLang="en-US" sz="4400" dirty="0"/>
-              <a:t>公式アカウントであるか非公式アカウントであるか</a:t>
-            </a:r>
-            <a:r>
-              <a:rPr lang="en-US" altLang="ja-JP" sz="4400" dirty="0"/>
-              <a:t>,</a:t>
-            </a:r>
-            <a:r>
-              <a:rPr lang="ja-JP" altLang="en-US" sz="4400" dirty="0"/>
-              <a:t>フォローフォロワー数等の条件変化の下で</a:t>
-            </a:r>
-            <a:r>
-              <a:rPr lang="en-US" altLang="ja-JP" sz="4400" dirty="0"/>
-              <a:t>,</a:t>
-            </a:r>
-            <a:r>
-              <a:rPr lang="ja-JP" altLang="en-US" sz="4400" dirty="0"/>
-              <a:t>ツイート内容と</a:t>
-            </a:r>
-            <a:r>
-              <a:rPr lang="en-US" altLang="ja-JP" sz="4400" dirty="0"/>
-              <a:t>,</a:t>
-            </a:r>
-            <a:r>
-              <a:rPr lang="ja-JP" altLang="en-US" sz="4400" dirty="0"/>
-              <a:t>リツイートユーザーのツイートの特徴の</a:t>
-            </a:r>
-            <a:r>
-              <a:rPr lang="en-US" altLang="ja-JP" sz="4400" dirty="0"/>
-              <a:t>,</a:t>
-            </a:r>
-            <a:r>
-              <a:rPr lang="ja-JP" altLang="en-US" sz="4400" dirty="0"/>
-              <a:t>相関の変化を明らかにする</a:t>
+              <a:t>リツイートユーザーのツイートやプロフィールが関係するかを調べる</a:t>
             </a:r>
             <a:r>
               <a:rPr lang="en-US" altLang="ja-JP" sz="4400" dirty="0"/>
@@ -4104,7 +4072,7 @@
         </p:nvSpPr>
         <p:spPr>
           <a:xfrm>
-            <a:off x="460413" y="13371337"/>
+            <a:off x="460413" y="12685540"/>
             <a:ext cx="1672253" cy="984885"/>
           </a:xfrm>
           <a:prstGeom prst="rect">
@@ -4139,7 +4107,7 @@
         </p:nvSpPr>
         <p:spPr>
           <a:xfrm>
-            <a:off x="460413" y="14494120"/>
+            <a:off x="460413" y="13808323"/>
             <a:ext cx="20310409" cy="5683380"/>
           </a:xfrm>
           <a:prstGeom prst="roundRect">
@@ -4180,7 +4148,7 @@
         </p:nvSpPr>
         <p:spPr>
           <a:xfrm>
-            <a:off x="731633" y="14631997"/>
+            <a:off x="731633" y="13946200"/>
             <a:ext cx="20171316" cy="5509200"/>
           </a:xfrm>
           <a:prstGeom prst="rect">
@@ -4204,53 +4172,56 @@
             </a:r>
             <a:r>
               <a:rPr kumimoji="1" lang="ja-JP" altLang="en-US" sz="4400" dirty="0"/>
-              <a:t>を利用し</a:t>
+              <a:t>を利用できるように</a:t>
             </a:r>
             <a:r>
               <a:rPr kumimoji="1" lang="en-US" altLang="ja-JP" sz="4400" dirty="0"/>
-              <a:t>100RT</a:t>
+              <a:t>OAuth</a:t>
             </a:r>
             <a:r>
               <a:rPr kumimoji="1" lang="ja-JP" altLang="en-US" sz="4400" dirty="0"/>
-              <a:t>以上されているツイートの</a:t>
+              <a:t>認証を行う</a:t>
+            </a:r>
+            <a:r>
+              <a:rPr kumimoji="1" lang="en-US" altLang="ja-JP" sz="4400" dirty="0"/>
+              <a:t>.</a:t>
+            </a:r>
+          </a:p>
+          <a:p>
+            <a:r>
+              <a:rPr lang="en-US" altLang="ja-JP" sz="4400" dirty="0"/>
+              <a:t>2. 100RT</a:t>
             </a:r>
             <a:r>
               <a:rPr lang="ja-JP" altLang="en-US" sz="4400" dirty="0"/>
-              <a:t>リツイート</a:t>
-            </a:r>
-            <a:r>
-              <a:rPr kumimoji="1" lang="ja-JP" altLang="en-US" sz="4400" dirty="0"/>
-              <a:t>ユーザーから</a:t>
+              <a:t>以上されているツイートをリツイートしたユーザーを</a:t>
+            </a:r>
+            <a:r>
+              <a:rPr lang="en-US" altLang="ja-JP" sz="4400" dirty="0"/>
+              <a:t>100</a:t>
+            </a:r>
+            <a:r>
+              <a:rPr lang="ja-JP" altLang="en-US" sz="4400" dirty="0"/>
+              <a:t>人取得する</a:t>
+            </a:r>
+            <a:r>
+              <a:rPr lang="en-US" altLang="ja-JP" sz="4400" dirty="0"/>
+              <a:t>.</a:t>
+            </a:r>
+            <a:endParaRPr kumimoji="1" lang="en-US" altLang="ja-JP" sz="4400" dirty="0"/>
+          </a:p>
+          <a:p>
+            <a:r>
+              <a:rPr lang="en-US" altLang="ja-JP" sz="4400" dirty="0"/>
+              <a:t>3</a:t>
             </a:r>
             <a:r>
               <a:rPr kumimoji="1" lang="en-US" altLang="ja-JP" sz="4400" dirty="0"/>
-              <a:t>100</a:t>
-            </a:r>
-            <a:r>
-              <a:rPr kumimoji="1" lang="ja-JP" altLang="en-US" sz="4400" dirty="0"/>
-              <a:t>人</a:t>
-            </a:r>
-            <a:endParaRPr kumimoji="1" lang="en-US" altLang="ja-JP" sz="4400" dirty="0"/>
-          </a:p>
-          <a:p>
+              <a:t>. </a:t>
+            </a:r>
             <a:r>
               <a:rPr lang="ja-JP" altLang="en-US" sz="4400" dirty="0"/>
-              <a:t>　　</a:t>
-            </a:r>
-            <a:r>
-              <a:rPr kumimoji="1" lang="ja-JP" altLang="en-US" sz="4400" dirty="0"/>
-              <a:t>のリツイートユーザーを取得する</a:t>
-            </a:r>
-            <a:endParaRPr kumimoji="1" lang="en-US" altLang="ja-JP" sz="4400" dirty="0"/>
-          </a:p>
-          <a:p>
-            <a:r>
-              <a:rPr kumimoji="1" lang="en-US" altLang="ja-JP" sz="4400" dirty="0"/>
-              <a:t>2. </a:t>
-            </a:r>
-            <a:r>
-              <a:rPr lang="ja-JP" altLang="en-US" sz="4400" dirty="0"/>
-              <a:t>取得したリツイートユーザーの最新のツイートから数えて</a:t>
+              <a:t>取得したリツイートユーザーの最新</a:t>
             </a:r>
             <a:r>
               <a:rPr lang="en-US" altLang="ja-JP" sz="4400" dirty="0"/>
@@ -4258,7 +4229,7 @@
             </a:r>
             <a:r>
               <a:rPr lang="ja-JP" altLang="en-US" sz="4400" dirty="0"/>
-              <a:t>ツイート分を取得する</a:t>
+              <a:t>ツイートを取得する</a:t>
             </a:r>
             <a:r>
               <a:rPr lang="en-US" altLang="ja-JP" sz="4400" dirty="0"/>
@@ -4268,7 +4239,7 @@
           <a:p>
             <a:r>
               <a:rPr lang="en-US" altLang="ja-JP" sz="4400" dirty="0"/>
-              <a:t>3. </a:t>
+              <a:t>4. </a:t>
             </a:r>
             <a:r>
               <a:rPr lang="ja-JP" altLang="en-US" sz="4400" dirty="0"/>
@@ -4288,7 +4259,7 @@
             </a:r>
             <a:r>
               <a:rPr lang="ja-JP" altLang="en-US" sz="4400" dirty="0"/>
-              <a:t>で形態素解析を行い</a:t>
+              <a:t>で形態素解析し</a:t>
             </a:r>
             <a:r>
               <a:rPr lang="en-US" altLang="ja-JP" sz="4400" dirty="0"/>
@@ -4324,8 +4295,12 @@
           </a:p>
           <a:p>
             <a:r>
+              <a:rPr lang="en-US" altLang="ja-JP" sz="4400" dirty="0"/>
+              <a:t>5</a:t>
+            </a:r>
+            <a:r>
               <a:rPr kumimoji="1" lang="en-US" altLang="ja-JP" sz="4400" dirty="0"/>
-              <a:t>4. </a:t>
+              <a:t>. </a:t>
             </a:r>
             <a:r>
               <a:rPr kumimoji="1" lang="ja-JP" altLang="en-US" sz="4400" dirty="0"/>
@@ -4333,7 +4308,7 @@
             </a:r>
             <a:r>
               <a:rPr lang="ja-JP" altLang="en-US" sz="4400" dirty="0"/>
-              <a:t>名詞をチェックしていき</a:t>
+              <a:t>名詞をチェックし</a:t>
             </a:r>
             <a:r>
               <a:rPr lang="en-US" altLang="ja-JP" sz="4400" dirty="0"/>
@@ -4348,30 +4323,26 @@
           <a:p>
             <a:r>
               <a:rPr lang="ja-JP" altLang="en-US" sz="4400" dirty="0"/>
-              <a:t>    する名詞が確認された場合</a:t>
-            </a:r>
-            <a:r>
-              <a:rPr lang="en-US" altLang="ja-JP" sz="4400" dirty="0"/>
-              <a:t>, </a:t>
-            </a:r>
+              <a:t>    する名詞が確認された場合そのユーザーはリツイートされたツイートの内容と関</a:t>
+            </a:r>
+            <a:endParaRPr lang="en-US" altLang="ja-JP" sz="4400" dirty="0"/>
+          </a:p>
+          <a:p>
             <a:r>
               <a:rPr lang="ja-JP" altLang="en-US" sz="4400" dirty="0"/>
-              <a:t>そのユーザーはリツイートされたツイートの内容と関</a:t>
-            </a:r>
-            <a:endParaRPr lang="en-US" altLang="ja-JP" sz="4400" dirty="0"/>
-          </a:p>
-          <a:p>
+              <a:t>    係があると判断</a:t>
+            </a:r>
+            <a:r>
+              <a:rPr lang="en-US" altLang="ja-JP" sz="4400"/>
+              <a:t>.</a:t>
+            </a:r>
+            <a:r>
+              <a:rPr lang="ja-JP" altLang="en-US" sz="4400"/>
+              <a:t>そう</a:t>
+            </a:r>
             <a:r>
               <a:rPr lang="ja-JP" altLang="en-US" sz="4400" dirty="0"/>
-              <a:t>    係があると判断し</a:t>
-            </a:r>
-            <a:r>
-              <a:rPr lang="en-US" altLang="ja-JP" sz="4400" dirty="0"/>
-              <a:t>,</a:t>
-            </a:r>
-            <a:r>
-              <a:rPr lang="ja-JP" altLang="en-US" sz="4400" dirty="0"/>
-              <a:t>そうでない場合は無関係と判断する</a:t>
+              <a:t>でない場合は無関係と判断する</a:t>
             </a:r>
             <a:r>
               <a:rPr lang="en-US" altLang="ja-JP" sz="4400" dirty="0"/>
@@ -4388,7 +4359,7 @@
         </p:nvSpPr>
         <p:spPr>
           <a:xfrm>
-            <a:off x="460412" y="20424604"/>
+            <a:off x="460412" y="19738807"/>
             <a:ext cx="3903633" cy="984885"/>
           </a:xfrm>
           <a:prstGeom prst="rect">
@@ -4423,7 +4394,7 @@
         </p:nvSpPr>
         <p:spPr>
           <a:xfrm>
-            <a:off x="451425" y="21559129"/>
+            <a:off x="451425" y="20873332"/>
             <a:ext cx="20151353" cy="5096934"/>
           </a:xfrm>
           <a:prstGeom prst="roundRect">
@@ -4464,7 +4435,7 @@
         </p:nvSpPr>
         <p:spPr>
           <a:xfrm>
-            <a:off x="731633" y="21670082"/>
+            <a:off x="731633" y="20984285"/>
             <a:ext cx="20031446" cy="4985980"/>
           </a:xfrm>
           <a:prstGeom prst="rect">
@@ -4679,7 +4650,7 @@
         </p:nvSpPr>
         <p:spPr>
           <a:xfrm>
-            <a:off x="451425" y="26887964"/>
+            <a:off x="451425" y="26202167"/>
             <a:ext cx="3903633" cy="984885"/>
           </a:xfrm>
           <a:prstGeom prst="rect">
@@ -4714,7 +4685,7 @@
         </p:nvSpPr>
         <p:spPr>
           <a:xfrm>
-            <a:off x="451425" y="28104750"/>
+            <a:off x="451425" y="27418953"/>
             <a:ext cx="20151353" cy="1918155"/>
           </a:xfrm>
           <a:prstGeom prst="roundRect">
@@ -4755,7 +4726,7 @@
         </p:nvSpPr>
         <p:spPr>
           <a:xfrm>
-            <a:off x="731632" y="28419550"/>
+            <a:off x="731632" y="27733753"/>
             <a:ext cx="19610839" cy="1446550"/>
           </a:xfrm>
           <a:prstGeom prst="rect">
@@ -4871,7 +4842,7 @@
         </p:nvSpPr>
         <p:spPr>
           <a:xfrm>
-            <a:off x="1685833" y="4419340"/>
+            <a:off x="1692724" y="4388531"/>
             <a:ext cx="5032773" cy="769441"/>
           </a:xfrm>
           <a:prstGeom prst="rect">
@@ -5133,46 +5104,6 @@
       </p:sp>
       <p:sp>
         <p:nvSpPr>
-          <p:cNvPr id="22" name="上下矢印 21"/>
-          <p:cNvSpPr/>
-          <p:nvPr/>
-        </p:nvSpPr>
-        <p:spPr>
-          <a:xfrm rot="18383770">
-            <a:off x="5643479" y="2874519"/>
-            <a:ext cx="800901" cy="4680666"/>
-          </a:xfrm>
-          <a:prstGeom prst="upDownArrow">
-            <a:avLst/>
-          </a:prstGeom>
-        </p:spPr>
-        <p:style>
-          <a:lnRef idx="2">
-            <a:schemeClr val="accent1">
-              <a:shade val="50000"/>
-            </a:schemeClr>
-          </a:lnRef>
-          <a:fillRef idx="1">
-            <a:schemeClr val="accent1"/>
-          </a:fillRef>
-          <a:effectRef idx="0">
-            <a:schemeClr val="accent1"/>
-          </a:effectRef>
-          <a:fontRef idx="minor">
-            <a:schemeClr val="lt1"/>
-          </a:fontRef>
-        </p:style>
-        <p:txBody>
-          <a:bodyPr rtlCol="0" anchor="ctr"/>
-          <a:lstStyle/>
-          <a:p>
-            <a:pPr algn="ctr"/>
-            <a:endParaRPr kumimoji="1" lang="ja-JP" altLang="en-US"/>
-          </a:p>
-        </p:txBody>
-      </p:sp>
-      <p:sp>
-        <p:nvSpPr>
           <p:cNvPr id="23" name="テキスト ボックス 22"/>
           <p:cNvSpPr txBox="1"/>
           <p:nvPr/>
@@ -5258,36 +5189,6 @@
           </a:p>
         </p:txBody>
       </p:sp>
-      <p:pic>
-        <p:nvPicPr>
-          <p:cNvPr id="26" name="図 25"/>
-          <p:cNvPicPr>
-            <a:picLocks noChangeAspect="1"/>
-          </p:cNvPicPr>
-          <p:nvPr/>
-        </p:nvPicPr>
-        <p:blipFill>
-          <a:blip r:embed="rId5">
-            <a:extLst>
-              <a:ext uri="{28A0092B-C50C-407E-A947-70E740481C1C}">
-                <a14:useLocalDpi xmlns:a14="http://schemas.microsoft.com/office/drawing/2010/main" val="0"/>
-              </a:ext>
-            </a:extLst>
-          </a:blip>
-          <a:stretch>
-            <a:fillRect/>
-          </a:stretch>
-        </p:blipFill>
-        <p:spPr>
-          <a:xfrm>
-            <a:off x="5396154" y="4459301"/>
-            <a:ext cx="1543262" cy="1543262"/>
-          </a:xfrm>
-          <a:prstGeom prst="rect">
-            <a:avLst/>
-          </a:prstGeom>
-        </p:spPr>
-      </p:pic>
       <p:sp>
         <p:nvSpPr>
           <p:cNvPr id="32" name="屈折矢印 31"/>
@@ -5337,7 +5238,7 @@
           <p:nvPr/>
         </p:nvPicPr>
         <p:blipFill>
-          <a:blip r:embed="rId6" cstate="print">
+          <a:blip r:embed="rId5" cstate="print">
             <a:extLst>
               <a:ext uri="{28A0092B-C50C-407E-A947-70E740481C1C}">
                 <a14:useLocalDpi xmlns:a14="http://schemas.microsoft.com/office/drawing/2010/main" val="0"/>
@@ -5352,6 +5253,76 @@
           <a:xfrm>
             <a:off x="7937531" y="6304784"/>
             <a:ext cx="1672515" cy="1672515"/>
+          </a:xfrm>
+          <a:prstGeom prst="rect">
+            <a:avLst/>
+          </a:prstGeom>
+        </p:spPr>
+      </p:pic>
+      <p:sp>
+        <p:nvSpPr>
+          <p:cNvPr id="7" name="減算 6"/>
+          <p:cNvSpPr/>
+          <p:nvPr/>
+        </p:nvSpPr>
+        <p:spPr>
+          <a:xfrm rot="2204983">
+            <a:off x="2715195" y="4760241"/>
+            <a:ext cx="6602033" cy="1226285"/>
+          </a:xfrm>
+          <a:prstGeom prst="mathMinus">
+            <a:avLst/>
+          </a:prstGeom>
+        </p:spPr>
+        <p:style>
+          <a:lnRef idx="2">
+            <a:schemeClr val="accent1">
+              <a:shade val="50000"/>
+            </a:schemeClr>
+          </a:lnRef>
+          <a:fillRef idx="1">
+            <a:schemeClr val="accent1"/>
+          </a:fillRef>
+          <a:effectRef idx="0">
+            <a:schemeClr val="accent1"/>
+          </a:effectRef>
+          <a:fontRef idx="minor">
+            <a:schemeClr val="lt1"/>
+          </a:fontRef>
+        </p:style>
+        <p:txBody>
+          <a:bodyPr rtlCol="0" anchor="ctr"/>
+          <a:lstStyle/>
+          <a:p>
+            <a:pPr algn="ctr"/>
+            <a:endParaRPr kumimoji="1" lang="ja-JP" altLang="en-US"/>
+          </a:p>
+        </p:txBody>
+      </p:sp>
+      <p:pic>
+        <p:nvPicPr>
+          <p:cNvPr id="12" name="図 11"/>
+          <p:cNvPicPr>
+            <a:picLocks noChangeAspect="1"/>
+          </p:cNvPicPr>
+          <p:nvPr/>
+        </p:nvPicPr>
+        <p:blipFill>
+          <a:blip r:embed="rId6">
+            <a:extLst>
+              <a:ext uri="{28A0092B-C50C-407E-A947-70E740481C1C}">
+                <a14:useLocalDpi xmlns:a14="http://schemas.microsoft.com/office/drawing/2010/main" val="0"/>
+              </a:ext>
+            </a:extLst>
+          </a:blip>
+          <a:stretch>
+            <a:fillRect/>
+          </a:stretch>
+        </p:blipFill>
+        <p:spPr>
+          <a:xfrm>
+            <a:off x="5188867" y="4492327"/>
+            <a:ext cx="1601978" cy="1601978"/>
           </a:xfrm>
           <a:prstGeom prst="rect">
             <a:avLst/>

--- a/課題研究/2016/岩橋瑠伊/最終発表/1442014_岩橋瑠伊-ポスター.pptx
+++ b/課題研究/2016/岩橋瑠伊/最終発表/1442014_岩橋瑠伊-ポスター.pptx
@@ -129,6 +129,18 @@
 </p:presentation>
 </file>
 
+<file path=ppt/commentAuthors.xml><?xml version="1.0" encoding="utf-8"?>
+<p:cmAuthorLst xmlns:a="http://schemas.openxmlformats.org/drawingml/2006/main" xmlns:r="http://schemas.openxmlformats.org/officeDocument/2006/relationships" xmlns:p="http://schemas.openxmlformats.org/presentationml/2006/main">
+  <p:cmAuthor id="1" name="岩橋瑠伊" initials="岩橋瑠伊" lastIdx="1" clrIdx="0">
+    <p:extLst>
+      <p:ext uri="{19B8F6BF-5375-455C-9EA6-DF929625EA0E}">
+        <p15:presenceInfo xmlns:p15="http://schemas.microsoft.com/office/powerpoint/2012/main" userId="76a018d060703897" providerId="Windows Live"/>
+      </p:ext>
+    </p:extLst>
+  </p:cmAuthor>
+</p:cmAuthorLst>
+</file>
+
 <file path=ppt/notesMasters/notesMaster1.xml><?xml version="1.0" encoding="utf-8"?>
 <p:notesMaster xmlns:a="http://schemas.openxmlformats.org/drawingml/2006/main" xmlns:r="http://schemas.openxmlformats.org/officeDocument/2006/relationships" xmlns:p="http://schemas.openxmlformats.org/presentationml/2006/main">
   <p:cSld>
@@ -211,7 +223,7 @@
           <a:p>
             <a:fld id="{1355B614-8C80-42CD-A0C7-A8AC0A708725}" type="datetimeFigureOut">
               <a:rPr kumimoji="1" lang="ja-JP" altLang="en-US" smtClean="0"/>
-              <a:t>2016/12/12</a:t>
+              <a:t>2016/12/14</a:t>
             </a:fld>
             <a:endParaRPr kumimoji="1" lang="ja-JP" altLang="en-US"/>
           </a:p>
@@ -723,7 +735,7 @@
           <a:p>
             <a:fld id="{CD18CB5A-6947-405F-A94A-52FF85729738}" type="datetimeFigureOut">
               <a:rPr kumimoji="1" lang="ja-JP" altLang="en-US" smtClean="0"/>
-              <a:t>2016/12/12</a:t>
+              <a:t>2016/12/14</a:t>
             </a:fld>
             <a:endParaRPr kumimoji="1" lang="ja-JP" altLang="en-US"/>
           </a:p>
@@ -923,7 +935,7 @@
           <a:p>
             <a:fld id="{CD18CB5A-6947-405F-A94A-52FF85729738}" type="datetimeFigureOut">
               <a:rPr kumimoji="1" lang="ja-JP" altLang="en-US" smtClean="0"/>
-              <a:t>2016/12/12</a:t>
+              <a:t>2016/12/14</a:t>
             </a:fld>
             <a:endParaRPr kumimoji="1" lang="ja-JP" altLang="en-US"/>
           </a:p>
@@ -1133,7 +1145,7 @@
           <a:p>
             <a:fld id="{CD18CB5A-6947-405F-A94A-52FF85729738}" type="datetimeFigureOut">
               <a:rPr kumimoji="1" lang="ja-JP" altLang="en-US" smtClean="0"/>
-              <a:t>2016/12/12</a:t>
+              <a:t>2016/12/14</a:t>
             </a:fld>
             <a:endParaRPr kumimoji="1" lang="ja-JP" altLang="en-US"/>
           </a:p>
@@ -1333,7 +1345,7 @@
           <a:p>
             <a:fld id="{CD18CB5A-6947-405F-A94A-52FF85729738}" type="datetimeFigureOut">
               <a:rPr kumimoji="1" lang="ja-JP" altLang="en-US" smtClean="0"/>
-              <a:t>2016/12/12</a:t>
+              <a:t>2016/12/14</a:t>
             </a:fld>
             <a:endParaRPr kumimoji="1" lang="ja-JP" altLang="en-US"/>
           </a:p>
@@ -1578,7 +1590,7 @@
           <a:p>
             <a:fld id="{CD18CB5A-6947-405F-A94A-52FF85729738}" type="datetimeFigureOut">
               <a:rPr kumimoji="1" lang="ja-JP" altLang="en-US" smtClean="0"/>
-              <a:t>2016/12/12</a:t>
+              <a:t>2016/12/14</a:t>
             </a:fld>
             <a:endParaRPr kumimoji="1" lang="ja-JP" altLang="en-US"/>
           </a:p>
@@ -1871,7 +1883,7 @@
           <a:p>
             <a:fld id="{CD18CB5A-6947-405F-A94A-52FF85729738}" type="datetimeFigureOut">
               <a:rPr kumimoji="1" lang="ja-JP" altLang="en-US" smtClean="0"/>
-              <a:t>2016/12/12</a:t>
+              <a:t>2016/12/14</a:t>
             </a:fld>
             <a:endParaRPr kumimoji="1" lang="ja-JP" altLang="en-US"/>
           </a:p>
@@ -2299,7 +2311,7 @@
           <a:p>
             <a:fld id="{CD18CB5A-6947-405F-A94A-52FF85729738}" type="datetimeFigureOut">
               <a:rPr kumimoji="1" lang="ja-JP" altLang="en-US" smtClean="0"/>
-              <a:t>2016/12/12</a:t>
+              <a:t>2016/12/14</a:t>
             </a:fld>
             <a:endParaRPr kumimoji="1" lang="ja-JP" altLang="en-US"/>
           </a:p>
@@ -2416,7 +2428,7 @@
           <a:p>
             <a:fld id="{CD18CB5A-6947-405F-A94A-52FF85729738}" type="datetimeFigureOut">
               <a:rPr kumimoji="1" lang="ja-JP" altLang="en-US" smtClean="0"/>
-              <a:t>2016/12/12</a:t>
+              <a:t>2016/12/14</a:t>
             </a:fld>
             <a:endParaRPr kumimoji="1" lang="ja-JP" altLang="en-US"/>
           </a:p>
@@ -2511,7 +2523,7 @@
           <a:p>
             <a:fld id="{CD18CB5A-6947-405F-A94A-52FF85729738}" type="datetimeFigureOut">
               <a:rPr kumimoji="1" lang="ja-JP" altLang="en-US" smtClean="0"/>
-              <a:t>2016/12/12</a:t>
+              <a:t>2016/12/14</a:t>
             </a:fld>
             <a:endParaRPr kumimoji="1" lang="ja-JP" altLang="en-US"/>
           </a:p>
@@ -2818,7 +2830,7 @@
           <a:p>
             <a:fld id="{CD18CB5A-6947-405F-A94A-52FF85729738}" type="datetimeFigureOut">
               <a:rPr kumimoji="1" lang="ja-JP" altLang="en-US" smtClean="0"/>
-              <a:t>2016/12/12</a:t>
+              <a:t>2016/12/14</a:t>
             </a:fld>
             <a:endParaRPr kumimoji="1" lang="ja-JP" altLang="en-US"/>
           </a:p>
@@ -3070,7 +3082,7 @@
           <a:p>
             <a:fld id="{CD18CB5A-6947-405F-A94A-52FF85729738}" type="datetimeFigureOut">
               <a:rPr kumimoji="1" lang="ja-JP" altLang="en-US" smtClean="0"/>
-              <a:t>2016/12/12</a:t>
+              <a:t>2016/12/14</a:t>
             </a:fld>
             <a:endParaRPr kumimoji="1" lang="ja-JP" altLang="en-US"/>
           </a:p>
@@ -3313,7 +3325,7 @@
           <a:p>
             <a:fld id="{CD18CB5A-6947-405F-A94A-52FF85729738}" type="datetimeFigureOut">
               <a:rPr kumimoji="1" lang="ja-JP" altLang="en-US" smtClean="0"/>
-              <a:t>2016/12/12</a:t>
+              <a:t>2016/12/14</a:t>
             </a:fld>
             <a:endParaRPr kumimoji="1" lang="ja-JP" altLang="en-US"/>
           </a:p>
@@ -3948,7 +3960,7 @@
         </p:nvSpPr>
         <p:spPr>
           <a:xfrm>
-            <a:off x="12573645" y="5829685"/>
+            <a:off x="12923272" y="4988141"/>
             <a:ext cx="8329303" cy="2123658"/>
           </a:xfrm>
           <a:prstGeom prst="roundRect">
@@ -3989,7 +4001,7 @@
         </p:nvSpPr>
         <p:spPr>
           <a:xfrm>
-            <a:off x="12705769" y="5864031"/>
+            <a:off x="13116335" y="5047778"/>
             <a:ext cx="8065053" cy="2123658"/>
           </a:xfrm>
           <a:prstGeom prst="rect">
@@ -4985,7 +4997,7 @@
         <p:spPr>
           <a:xfrm>
             <a:off x="6021641" y="8223031"/>
-            <a:ext cx="6158218" cy="1446550"/>
+            <a:ext cx="6158218" cy="2123658"/>
           </a:xfrm>
           <a:prstGeom prst="rect">
             <a:avLst/>
@@ -5004,7 +5016,23 @@
                   <a:srgbClr val="7030A0"/>
                 </a:solidFill>
               </a:rPr>
-              <a:t>リツイートユーザー</a:t>
+              <a:t>リツイート</a:t>
+            </a:r>
+            <a:r>
+              <a:rPr lang="ja-JP" altLang="en-US" sz="4400" dirty="0">
+                <a:solidFill>
+                  <a:srgbClr val="7030A0"/>
+                </a:solidFill>
+              </a:rPr>
+              <a:t>ツイートの</a:t>
+            </a:r>
+            <a:r>
+              <a:rPr kumimoji="1" lang="ja-JP" altLang="en-US" sz="4400" dirty="0">
+                <a:solidFill>
+                  <a:srgbClr val="7030A0"/>
+                </a:solidFill>
+              </a:rPr>
+              <a:t>ユーザー</a:t>
             </a:r>
             <a:r>
               <a:rPr lang="ja-JP" altLang="en-US" sz="4400" dirty="0">
@@ -5052,7 +5080,7 @@
                   <a:srgbClr val="7030A0"/>
                 </a:solidFill>
               </a:rPr>
-              <a:t>のツイートの特徴</a:t>
+              <a:t>のツイートの趣旨</a:t>
             </a:r>
             <a:endParaRPr kumimoji="1" lang="ja-JP" altLang="en-US" sz="4400" dirty="0">
               <a:solidFill>
@@ -5138,7 +5166,7 @@
                   <a:srgbClr val="FF0000"/>
                 </a:solidFill>
               </a:rPr>
-              <a:t>のツイート内容と</a:t>
+              <a:t>のツイートの趣旨と</a:t>
             </a:r>
             <a:r>
               <a:rPr kumimoji="1" lang="en-US" altLang="ja-JP" sz="4400" dirty="0">
@@ -5148,13 +5176,31 @@
               </a:rPr>
               <a:t>X</a:t>
             </a:r>
+          </a:p>
+          <a:p>
             <a:r>
               <a:rPr kumimoji="1" lang="ja-JP" altLang="en-US" sz="4400" dirty="0">
                 <a:solidFill>
                   <a:srgbClr val="FF0000"/>
                 </a:solidFill>
               </a:rPr>
-              <a:t>の</a:t>
+              <a:t>のツイートの</a:t>
+            </a:r>
+            <a:r>
+              <a:rPr lang="ja-JP" altLang="en-US" sz="4400" dirty="0">
+                <a:solidFill>
+                  <a:srgbClr val="FF0000"/>
+                </a:solidFill>
+              </a:rPr>
+              <a:t>趣旨</a:t>
+            </a:r>
+            <a:r>
+              <a:rPr kumimoji="1" lang="ja-JP" altLang="en-US" sz="4400" dirty="0">
+                <a:solidFill>
+                  <a:srgbClr val="FF0000"/>
+                </a:solidFill>
+              </a:rPr>
+              <a:t>に関</a:t>
             </a:r>
             <a:endParaRPr kumimoji="1" lang="en-US" altLang="ja-JP" sz="4400" dirty="0">
               <a:solidFill>
@@ -5169,22 +5215,7 @@
                   <a:srgbClr val="FF0000"/>
                 </a:solidFill>
               </a:rPr>
-              <a:t>ツイートの特徴に関係</a:t>
-            </a:r>
-            <a:endParaRPr kumimoji="1" lang="en-US" altLang="ja-JP" sz="4400" dirty="0">
-              <a:solidFill>
-                <a:srgbClr val="FF0000"/>
-              </a:solidFill>
-            </a:endParaRPr>
-          </a:p>
-          <a:p>
-            <a:r>
-              <a:rPr kumimoji="1" lang="ja-JP" altLang="en-US" sz="4400" dirty="0">
-                <a:solidFill>
-                  <a:srgbClr val="FF0000"/>
-                </a:solidFill>
-              </a:rPr>
-              <a:t>性があるのか？</a:t>
+              <a:t>係性があるのか？</a:t>
             </a:r>
           </a:p>
         </p:txBody>
@@ -5198,7 +5229,7 @@
         <p:spPr>
           <a:xfrm rot="10800000" flipH="1">
             <a:off x="12179859" y="3306473"/>
-            <a:ext cx="5066269" cy="2399707"/>
+            <a:ext cx="5066269" cy="1635426"/>
           </a:xfrm>
           <a:prstGeom prst="bentUpArrow">
             <a:avLst/>
@@ -5329,6 +5360,200 @@
           </a:prstGeom>
         </p:spPr>
       </p:pic>
+      <p:sp>
+        <p:nvSpPr>
+          <p:cNvPr id="15" name="テキスト ボックス 14"/>
+          <p:cNvSpPr txBox="1"/>
+          <p:nvPr/>
+        </p:nvSpPr>
+        <p:spPr>
+          <a:xfrm>
+            <a:off x="11800232" y="8204473"/>
+            <a:ext cx="4896544" cy="2062103"/>
+          </a:xfrm>
+          <a:prstGeom prst="rect">
+            <a:avLst/>
+          </a:prstGeom>
+          <a:noFill/>
+        </p:spPr>
+        <p:txBody>
+          <a:bodyPr wrap="square" rtlCol="0">
+            <a:spAutoFit/>
+          </a:bodyPr>
+          <a:lstStyle/>
+          <a:p>
+            <a:r>
+              <a:rPr lang="en-US" altLang="ja-JP" sz="3200" dirty="0" err="1"/>
+              <a:t>PokemonGO</a:t>
+            </a:r>
+            <a:r>
+              <a:rPr lang="ja-JP" altLang="en-US" sz="3200" dirty="0"/>
+              <a:t>公式</a:t>
+            </a:r>
+            <a:endParaRPr lang="en-US" altLang="ja-JP" sz="3200" dirty="0"/>
+          </a:p>
+          <a:p>
+            <a:r>
+              <a:rPr lang="ja-JP" altLang="en-US" sz="3200" dirty="0"/>
+              <a:t>アカウントがバージョン</a:t>
+            </a:r>
+            <a:endParaRPr lang="en-US" altLang="ja-JP" sz="3200" dirty="0"/>
+          </a:p>
+          <a:p>
+            <a:r>
+              <a:rPr lang="ja-JP" altLang="en-US" sz="3200" dirty="0"/>
+              <a:t>アップデートに関する</a:t>
+            </a:r>
+            <a:endParaRPr lang="en-US" altLang="ja-JP" sz="3200" dirty="0"/>
+          </a:p>
+          <a:p>
+            <a:r>
+              <a:rPr lang="ja-JP" altLang="en-US" sz="3200" dirty="0"/>
+              <a:t>ツイートをする</a:t>
+            </a:r>
+            <a:endParaRPr lang="en-US" altLang="ja-JP" sz="3200" dirty="0"/>
+          </a:p>
+        </p:txBody>
+      </p:sp>
+      <p:sp>
+        <p:nvSpPr>
+          <p:cNvPr id="16" name="右矢印 15"/>
+          <p:cNvSpPr/>
+          <p:nvPr/>
+        </p:nvSpPr>
+        <p:spPr>
+          <a:xfrm>
+            <a:off x="15880320" y="8831297"/>
+            <a:ext cx="1629441" cy="577346"/>
+          </a:xfrm>
+          <a:prstGeom prst="rightArrow">
+            <a:avLst/>
+          </a:prstGeom>
+        </p:spPr>
+        <p:style>
+          <a:lnRef idx="2">
+            <a:schemeClr val="accent1">
+              <a:shade val="50000"/>
+            </a:schemeClr>
+          </a:lnRef>
+          <a:fillRef idx="1">
+            <a:schemeClr val="accent1"/>
+          </a:fillRef>
+          <a:effectRef idx="0">
+            <a:schemeClr val="accent1"/>
+          </a:effectRef>
+          <a:fontRef idx="minor">
+            <a:schemeClr val="lt1"/>
+          </a:fontRef>
+        </p:style>
+        <p:txBody>
+          <a:bodyPr rtlCol="0" anchor="ctr"/>
+          <a:lstStyle/>
+          <a:p>
+            <a:pPr algn="ctr"/>
+            <a:endParaRPr kumimoji="1" lang="ja-JP" altLang="en-US"/>
+          </a:p>
+        </p:txBody>
+      </p:sp>
+      <p:sp>
+        <p:nvSpPr>
+          <p:cNvPr id="17" name="テキスト ボックス 16"/>
+          <p:cNvSpPr txBox="1"/>
+          <p:nvPr/>
+        </p:nvSpPr>
+        <p:spPr>
+          <a:xfrm>
+            <a:off x="13135516" y="7345100"/>
+            <a:ext cx="9053567" cy="1723549"/>
+          </a:xfrm>
+          <a:prstGeom prst="rect">
+            <a:avLst/>
+          </a:prstGeom>
+          <a:noFill/>
+        </p:spPr>
+        <p:txBody>
+          <a:bodyPr wrap="square" rtlCol="0">
+            <a:spAutoFit/>
+          </a:bodyPr>
+          <a:lstStyle/>
+          <a:p>
+            <a:r>
+              <a:rPr lang="ja-JP" altLang="en-US" sz="4400" dirty="0">
+                <a:solidFill>
+                  <a:srgbClr val="FF0000"/>
+                </a:solidFill>
+              </a:rPr>
+              <a:t>関係性がある時の具体例</a:t>
+            </a:r>
+            <a:endParaRPr lang="en-US" altLang="ja-JP" sz="4400" dirty="0">
+              <a:solidFill>
+                <a:srgbClr val="FF0000"/>
+              </a:solidFill>
+            </a:endParaRPr>
+          </a:p>
+          <a:p>
+            <a:endParaRPr kumimoji="1" lang="ja-JP" altLang="en-US" dirty="0"/>
+          </a:p>
+        </p:txBody>
+      </p:sp>
+      <p:sp>
+        <p:nvSpPr>
+          <p:cNvPr id="18" name="テキスト ボックス 17"/>
+          <p:cNvSpPr txBox="1"/>
+          <p:nvPr/>
+        </p:nvSpPr>
+        <p:spPr>
+          <a:xfrm>
+            <a:off x="17576295" y="8085781"/>
+            <a:ext cx="3731534" cy="2062103"/>
+          </a:xfrm>
+          <a:prstGeom prst="rect">
+            <a:avLst/>
+          </a:prstGeom>
+          <a:noFill/>
+        </p:spPr>
+        <p:txBody>
+          <a:bodyPr wrap="none" rtlCol="0">
+            <a:spAutoFit/>
+          </a:bodyPr>
+          <a:lstStyle/>
+          <a:p>
+            <a:r>
+              <a:rPr lang="ja-JP" altLang="en-US" sz="3200" dirty="0"/>
+              <a:t>こ</a:t>
+            </a:r>
+            <a:r>
+              <a:rPr kumimoji="1" lang="ja-JP" altLang="en-US" sz="3200" dirty="0"/>
+              <a:t>のツイートを</a:t>
+            </a:r>
+            <a:endParaRPr kumimoji="1" lang="en-US" altLang="ja-JP" sz="3200" dirty="0"/>
+          </a:p>
+          <a:p>
+            <a:r>
+              <a:rPr kumimoji="1" lang="en-US" altLang="ja-JP" sz="3200" dirty="0" err="1"/>
+              <a:t>PokemonGO</a:t>
+            </a:r>
+            <a:r>
+              <a:rPr kumimoji="1" lang="ja-JP" altLang="en-US" sz="3200" dirty="0"/>
+              <a:t>をプレー</a:t>
+            </a:r>
+            <a:endParaRPr kumimoji="1" lang="en-US" altLang="ja-JP" sz="3200" dirty="0"/>
+          </a:p>
+          <a:p>
+            <a:r>
+              <a:rPr kumimoji="1" lang="ja-JP" altLang="en-US" sz="3200" dirty="0"/>
+              <a:t>しているユーザーが</a:t>
+            </a:r>
+            <a:endParaRPr kumimoji="1" lang="en-US" altLang="ja-JP" sz="3200" dirty="0"/>
+          </a:p>
+          <a:p>
+            <a:r>
+              <a:rPr kumimoji="1" lang="ja-JP" altLang="en-US" sz="3200" dirty="0"/>
+              <a:t>リツイート</a:t>
+            </a:r>
+          </a:p>
+        </p:txBody>
+      </p:sp>
     </p:spTree>
     <p:extLst>
       <p:ext uri="{BB962C8B-B14F-4D97-AF65-F5344CB8AC3E}">

--- a/課題研究/2016/岩橋瑠伊/最終発表/1442014_岩橋瑠伊-ポスター.pptx
+++ b/課題研究/2016/岩橋瑠伊/最終発表/1442014_岩橋瑠伊-ポスター.pptx
@@ -4021,16 +4021,21 @@
                   <a:srgbClr val="00B0F0"/>
                 </a:solidFill>
               </a:rPr>
-              <a:t>この関係性の強弱をツイートの条件によって予測できるのではないかと考えた</a:t>
-            </a:r>
-            <a:r>
-              <a:rPr lang="en-US" altLang="ja-JP" sz="4400" dirty="0">
+              <a:t>この関係性の強弱をツイートの条件によって予測できるのではないかと</a:t>
+            </a:r>
+            <a:r>
+              <a:rPr lang="ja-JP" altLang="en-US" sz="4400" dirty="0" smtClean="0">
                 <a:solidFill>
                   <a:srgbClr val="00B0F0"/>
                 </a:solidFill>
               </a:rPr>
-              <a:t>.</a:t>
-            </a:r>
+              <a:t>考えた。</a:t>
+            </a:r>
+            <a:endParaRPr lang="en-US" altLang="ja-JP" sz="4400" dirty="0">
+              <a:solidFill>
+                <a:srgbClr val="00B0F0"/>
+              </a:solidFill>
+            </a:endParaRPr>
           </a:p>
         </p:txBody>
       </p:sp>
@@ -4058,19 +4063,23 @@
           <a:p>
             <a:r>
               <a:rPr lang="ja-JP" altLang="en-US" sz="4400" dirty="0"/>
-              <a:t>リツイートされたツイートの趣旨と</a:t>
-            </a:r>
-            <a:r>
-              <a:rPr lang="en-US" altLang="ja-JP" sz="4400" dirty="0"/>
-              <a:t>,</a:t>
+              <a:t>リツイートされたツイートの趣旨</a:t>
+            </a:r>
+            <a:r>
+              <a:rPr lang="ja-JP" altLang="en-US" sz="4400" dirty="0" smtClean="0"/>
+              <a:t>と、リツイートユーザー</a:t>
             </a:r>
             <a:r>
               <a:rPr lang="ja-JP" altLang="en-US" sz="4400" dirty="0"/>
-              <a:t>リツイートユーザーのツイートやプロフィールが関係するかを調べる</a:t>
-            </a:r>
-            <a:r>
-              <a:rPr lang="en-US" altLang="ja-JP" sz="4400" dirty="0"/>
-              <a:t>.</a:t>
+              <a:t>のツイートやプロフィールが関係するかを</a:t>
+            </a:r>
+            <a:r>
+              <a:rPr lang="ja-JP" altLang="en-US" sz="4400" dirty="0" smtClean="0"/>
+              <a:t>調べる</a:t>
+            </a:r>
+            <a:r>
+              <a:rPr lang="ja-JP" altLang="en-US" sz="4400" dirty="0"/>
+              <a:t>。</a:t>
             </a:r>
             <a:endParaRPr kumimoji="1" lang="ja-JP" altLang="en-US" sz="4400" dirty="0"/>
           </a:p>
@@ -4192,12 +4201,17 @@
             </a:r>
             <a:r>
               <a:rPr kumimoji="1" lang="ja-JP" altLang="en-US" sz="4400" dirty="0"/>
-              <a:t>認証を行う</a:t>
-            </a:r>
-            <a:r>
-              <a:rPr kumimoji="1" lang="en-US" altLang="ja-JP" sz="4400" dirty="0"/>
-              <a:t>.</a:t>
-            </a:r>
+              <a:t>認証を</a:t>
+            </a:r>
+            <a:r>
+              <a:rPr kumimoji="1" lang="ja-JP" altLang="en-US" sz="4400" dirty="0" smtClean="0"/>
+              <a:t>行う</a:t>
+            </a:r>
+            <a:r>
+              <a:rPr lang="ja-JP" altLang="en-US" sz="4400" dirty="0"/>
+              <a:t>。</a:t>
+            </a:r>
+            <a:endParaRPr kumimoji="1" lang="en-US" altLang="ja-JP" sz="4400" dirty="0"/>
           </a:p>
           <a:p>
             <a:r>
@@ -4214,11 +4228,11 @@
             </a:r>
             <a:r>
               <a:rPr lang="ja-JP" altLang="en-US" sz="4400" dirty="0"/>
-              <a:t>人取得する</a:t>
-            </a:r>
-            <a:r>
-              <a:rPr lang="en-US" altLang="ja-JP" sz="4400" dirty="0"/>
-              <a:t>.</a:t>
+              <a:t>人取得</a:t>
+            </a:r>
+            <a:r>
+              <a:rPr lang="ja-JP" altLang="en-US" sz="4400" dirty="0" smtClean="0"/>
+              <a:t>する。</a:t>
             </a:r>
             <a:endParaRPr kumimoji="1" lang="en-US" altLang="ja-JP" sz="4400" dirty="0"/>
           </a:p>
@@ -4241,12 +4255,17 @@
             </a:r>
             <a:r>
               <a:rPr lang="ja-JP" altLang="en-US" sz="4400" dirty="0"/>
-              <a:t>ツイートを取得する</a:t>
-            </a:r>
-            <a:r>
-              <a:rPr lang="en-US" altLang="ja-JP" sz="4400" dirty="0"/>
-              <a:t>.</a:t>
-            </a:r>
+              <a:t>ツイートを取得</a:t>
+            </a:r>
+            <a:r>
+              <a:rPr lang="ja-JP" altLang="en-US" sz="4400" dirty="0" smtClean="0"/>
+              <a:t>する</a:t>
+            </a:r>
+            <a:r>
+              <a:rPr lang="ja-JP" altLang="en-US" sz="4400" dirty="0"/>
+              <a:t>。</a:t>
+            </a:r>
+            <a:endParaRPr lang="en-US" altLang="ja-JP" sz="4400" dirty="0"/>
           </a:p>
           <a:p>
             <a:r>
@@ -4271,15 +4290,23 @@
             </a:r>
             <a:r>
               <a:rPr lang="ja-JP" altLang="en-US" sz="4400" dirty="0"/>
-              <a:t>で形態素解析し</a:t>
-            </a:r>
-            <a:r>
-              <a:rPr lang="en-US" altLang="ja-JP" sz="4400" dirty="0"/>
-              <a:t>,</a:t>
+              <a:t>で形態素解析</a:t>
+            </a:r>
+            <a:r>
+              <a:rPr lang="ja-JP" altLang="en-US" sz="4400" dirty="0" smtClean="0"/>
+              <a:t>し</a:t>
             </a:r>
             <a:r>
               <a:rPr lang="ja-JP" altLang="en-US" sz="4400" dirty="0"/>
-              <a:t>文章中に含まれる名詞に関し</a:t>
+              <a:t>、</a:t>
+            </a:r>
+            <a:r>
+              <a:rPr lang="ja-JP" altLang="en-US" sz="4400" dirty="0" smtClean="0"/>
+              <a:t>文章中</a:t>
+            </a:r>
+            <a:r>
+              <a:rPr lang="ja-JP" altLang="en-US" sz="4400" dirty="0"/>
+              <a:t>に含まれる名詞に関し</a:t>
             </a:r>
             <a:endParaRPr lang="en-US" altLang="ja-JP" sz="4400" dirty="0"/>
           </a:p>
@@ -4298,12 +4325,17 @@
             </a:r>
             <a:r>
               <a:rPr lang="ja-JP" altLang="en-US" sz="4400" dirty="0"/>
-              <a:t>で重み付けをするスクリプトを実行する</a:t>
-            </a:r>
-            <a:r>
-              <a:rPr lang="en-US" altLang="ja-JP" sz="4400" dirty="0"/>
-              <a:t>.</a:t>
-            </a:r>
+              <a:t>で重み付けをするスクリプトを実行</a:t>
+            </a:r>
+            <a:r>
+              <a:rPr lang="ja-JP" altLang="en-US" sz="4400" dirty="0" smtClean="0"/>
+              <a:t>する</a:t>
+            </a:r>
+            <a:r>
+              <a:rPr lang="ja-JP" altLang="en-US" sz="4400" dirty="0"/>
+              <a:t>。</a:t>
+            </a:r>
+            <a:endParaRPr lang="en-US" altLang="ja-JP" sz="4400" dirty="0"/>
           </a:p>
           <a:p>
             <a:r>
@@ -4320,11 +4352,15 @@
             </a:r>
             <a:r>
               <a:rPr lang="ja-JP" altLang="en-US" sz="4400" dirty="0"/>
-              <a:t>名詞をチェックし</a:t>
-            </a:r>
-            <a:r>
-              <a:rPr lang="en-US" altLang="ja-JP" sz="4400" dirty="0"/>
-              <a:t>,1</a:t>
+              <a:t>名詞をチェック</a:t>
+            </a:r>
+            <a:r>
+              <a:rPr lang="ja-JP" altLang="en-US" sz="4400" dirty="0" smtClean="0"/>
+              <a:t>し</a:t>
+            </a:r>
+            <a:r>
+              <a:rPr lang="en-US" altLang="ja-JP" sz="4400" dirty="0" smtClean="0"/>
+              <a:t>1</a:t>
             </a:r>
             <a:r>
               <a:rPr lang="ja-JP" altLang="en-US" sz="4400" dirty="0"/>
@@ -4335,31 +4371,52 @@
           <a:p>
             <a:r>
               <a:rPr lang="ja-JP" altLang="en-US" sz="4400" dirty="0"/>
-              <a:t>    する名詞が確認された場合そのユーザーはリツイートされたツイートの内容と関</a:t>
+              <a:t>    する名詞が確認</a:t>
+            </a:r>
+            <a:r>
+              <a:rPr lang="ja-JP" altLang="en-US" sz="4400"/>
+              <a:t>された</a:t>
+            </a:r>
+            <a:r>
+              <a:rPr lang="ja-JP" altLang="en-US" sz="4400" smtClean="0"/>
+              <a:t>場合、その</a:t>
+            </a:r>
+            <a:r>
+              <a:rPr lang="ja-JP" altLang="en-US" sz="4400" dirty="0"/>
+              <a:t>ユーザーはリツイートされたツイートの内容と関</a:t>
             </a:r>
             <a:endParaRPr lang="en-US" altLang="ja-JP" sz="4400" dirty="0"/>
           </a:p>
           <a:p>
             <a:r>
               <a:rPr lang="ja-JP" altLang="en-US" sz="4400" dirty="0"/>
-              <a:t>    係があると判断</a:t>
-            </a:r>
-            <a:r>
-              <a:rPr lang="en-US" altLang="ja-JP" sz="4400"/>
-              <a:t>.</a:t>
-            </a:r>
-            <a:r>
-              <a:rPr lang="ja-JP" altLang="en-US" sz="4400"/>
+              <a:t>    係があると</a:t>
+            </a:r>
+            <a:r>
+              <a:rPr lang="ja-JP" altLang="en-US" sz="4400" dirty="0" smtClean="0"/>
+              <a:t>判断</a:t>
+            </a:r>
+            <a:r>
+              <a:rPr lang="ja-JP" altLang="en-US" sz="4400" dirty="0"/>
+              <a:t>。</a:t>
+            </a:r>
+            <a:r>
+              <a:rPr lang="ja-JP" altLang="en-US" sz="4400" dirty="0" smtClean="0"/>
               <a:t>そう</a:t>
             </a:r>
             <a:r>
               <a:rPr lang="ja-JP" altLang="en-US" sz="4400" dirty="0"/>
-              <a:t>でない場合は無関係と判断する</a:t>
-            </a:r>
-            <a:r>
-              <a:rPr lang="en-US" altLang="ja-JP" sz="4400" dirty="0"/>
-              <a:t>.</a:t>
-            </a:r>
+              <a:t>でない場合は無関係と判断</a:t>
+            </a:r>
+            <a:r>
+              <a:rPr lang="ja-JP" altLang="en-US" sz="4400" dirty="0" smtClean="0"/>
+              <a:t>する</a:t>
+            </a:r>
+            <a:r>
+              <a:rPr lang="ja-JP" altLang="en-US" sz="4400" dirty="0"/>
+              <a:t>。</a:t>
+            </a:r>
+            <a:endParaRPr lang="en-US" altLang="ja-JP" sz="4400" dirty="0"/>
           </a:p>
         </p:txBody>
       </p:sp>
@@ -4448,7 +4505,7 @@
         <p:spPr>
           <a:xfrm>
             <a:off x="731633" y="20984285"/>
-            <a:ext cx="20031446" cy="4985980"/>
+            <a:ext cx="20177318" cy="4832092"/>
           </a:xfrm>
           <a:prstGeom prst="rect">
             <a:avLst/>
@@ -4509,12 +4566,13 @@
             </a:r>
             <a:r>
               <a:rPr lang="ja-JP" altLang="en-US" sz="4400" dirty="0"/>
-              <a:t>企業の公式アカウントが発信するその企業に関連した広告や告知ツイートの場合</a:t>
-            </a:r>
-            <a:r>
-              <a:rPr lang="en-US" altLang="ja-JP" sz="4400" dirty="0"/>
-              <a:t>,</a:t>
-            </a:r>
+              <a:t>企業の公式アカウントが発信するその企業に関連した広告や告知ツイートの</a:t>
+            </a:r>
+            <a:r>
+              <a:rPr lang="ja-JP" altLang="en-US" sz="4400" dirty="0" smtClean="0"/>
+              <a:t>場合、</a:t>
+            </a:r>
+            <a:endParaRPr lang="en-US" altLang="ja-JP" sz="4400" dirty="0"/>
           </a:p>
           <a:p>
             <a:r>
@@ -4531,12 +4589,17 @@
             </a:r>
             <a:r>
               <a:rPr lang="ja-JP" altLang="en-US" sz="4400" dirty="0"/>
-              <a:t>人関係性があるという結果が出た</a:t>
-            </a:r>
-            <a:r>
-              <a:rPr lang="en-US" altLang="ja-JP" sz="4400" dirty="0"/>
-              <a:t>.</a:t>
-            </a:r>
+              <a:t>人関係性があるという結果が</a:t>
+            </a:r>
+            <a:r>
+              <a:rPr lang="ja-JP" altLang="en-US" sz="4400" dirty="0" smtClean="0"/>
+              <a:t>出た</a:t>
+            </a:r>
+            <a:r>
+              <a:rPr lang="ja-JP" altLang="en-US" sz="4400" dirty="0"/>
+              <a:t>。</a:t>
+            </a:r>
+            <a:endParaRPr lang="en-US" altLang="ja-JP" sz="4400" dirty="0"/>
           </a:p>
           <a:p>
             <a:r>
@@ -4545,19 +4608,23 @@
             </a:r>
             <a:r>
               <a:rPr lang="ja-JP" altLang="en-US" sz="4400" dirty="0"/>
-              <a:t>企業の公式アカウントではないが</a:t>
-            </a:r>
-            <a:r>
-              <a:rPr lang="en-US" altLang="ja-JP" sz="4400" dirty="0"/>
-              <a:t>, </a:t>
+              <a:t>企業の公式アカウントではない</a:t>
+            </a:r>
+            <a:r>
+              <a:rPr lang="ja-JP" altLang="en-US" sz="4400" dirty="0" smtClean="0"/>
+              <a:t>が一般</a:t>
             </a:r>
             <a:r>
               <a:rPr lang="ja-JP" altLang="en-US" sz="4400" dirty="0"/>
-              <a:t>一般のユーザーが</a:t>
-            </a:r>
-            <a:r>
-              <a:rPr lang="en-US" altLang="ja-JP" sz="4400" dirty="0"/>
-              <a:t>, </a:t>
+              <a:t>のユーザー</a:t>
+            </a:r>
+            <a:r>
+              <a:rPr lang="ja-JP" altLang="en-US" sz="4400" dirty="0" smtClean="0"/>
+              <a:t>が</a:t>
+            </a:r>
+            <a:r>
+              <a:rPr lang="en-US" altLang="ja-JP" sz="4400" dirty="0" smtClean="0"/>
+              <a:t> </a:t>
             </a:r>
             <a:r>
               <a:rPr lang="ja-JP" altLang="en-US" sz="4400" dirty="0"/>
@@ -4576,11 +4643,19 @@
             </a:r>
             <a:r>
               <a:rPr lang="ja-JP" altLang="en-US" sz="4400" dirty="0"/>
-              <a:t>いるツイートの場合</a:t>
-            </a:r>
-            <a:r>
-              <a:rPr lang="en-US" altLang="ja-JP" sz="4400" dirty="0"/>
-              <a:t>,100</a:t>
+              <a:t>いるツイートの</a:t>
+            </a:r>
+            <a:r>
+              <a:rPr lang="ja-JP" altLang="en-US" sz="4400" dirty="0" smtClean="0"/>
+              <a:t>場合</a:t>
+            </a:r>
+            <a:r>
+              <a:rPr lang="ja-JP" altLang="en-US" sz="4400" dirty="0"/>
+              <a:t>、</a:t>
+            </a:r>
+            <a:r>
+              <a:rPr lang="en-US" altLang="ja-JP" sz="4400" dirty="0" smtClean="0"/>
+              <a:t>100</a:t>
             </a:r>
             <a:r>
               <a:rPr lang="ja-JP" altLang="en-US" sz="4400" dirty="0"/>
@@ -4592,12 +4667,17 @@
             </a:r>
             <a:r>
               <a:rPr lang="ja-JP" altLang="en-US" sz="4400" dirty="0"/>
-              <a:t>人関係性があるという結果が出た</a:t>
-            </a:r>
-            <a:r>
-              <a:rPr lang="en-US" altLang="ja-JP" sz="4400" dirty="0"/>
-              <a:t>.</a:t>
-            </a:r>
+              <a:t>人関係性があるという結果が</a:t>
+            </a:r>
+            <a:r>
+              <a:rPr lang="ja-JP" altLang="en-US" sz="4400" dirty="0" smtClean="0"/>
+              <a:t>出た</a:t>
+            </a:r>
+            <a:r>
+              <a:rPr lang="ja-JP" altLang="en-US" sz="4400" dirty="0"/>
+              <a:t>。</a:t>
+            </a:r>
+            <a:endParaRPr lang="en-US" altLang="ja-JP" sz="4400" dirty="0"/>
           </a:p>
           <a:p>
             <a:r>
@@ -4606,34 +4686,50 @@
             </a:r>
             <a:r>
               <a:rPr lang="ja-JP" altLang="en-US" sz="4400" dirty="0"/>
-              <a:t>多岐に渡る情報提供を行っている非公式アカウントによる</a:t>
-            </a:r>
-            <a:r>
-              <a:rPr lang="en-US" altLang="ja-JP" sz="4400" dirty="0"/>
-              <a:t>,</a:t>
+              <a:t>多岐に渡る情報提供を行っている非公式アカウントに</a:t>
+            </a:r>
+            <a:r>
+              <a:rPr lang="ja-JP" altLang="en-US" sz="4400" dirty="0" smtClean="0"/>
+              <a:t>よるスーパームーン</a:t>
             </a:r>
             <a:r>
               <a:rPr lang="ja-JP" altLang="en-US" sz="4400" dirty="0"/>
-              <a:t>スーパームーンが見ら</a:t>
-            </a:r>
-            <a:endParaRPr lang="en-US" altLang="ja-JP" sz="4400" dirty="0"/>
-          </a:p>
-          <a:p>
+              <a:t>が</a:t>
+            </a:r>
+            <a:r>
+              <a:rPr lang="ja-JP" altLang="en-US" sz="4400" dirty="0" smtClean="0"/>
+              <a:t>見られ</a:t>
+            </a:r>
+            <a:endParaRPr lang="en-US" altLang="ja-JP" sz="4400" dirty="0" smtClean="0"/>
+          </a:p>
+          <a:p>
+            <a:r>
+              <a:rPr lang="ja-JP" altLang="en-US" sz="4400" dirty="0" smtClean="0"/>
+              <a:t>    </a:t>
+            </a:r>
+            <a:r>
+              <a:rPr lang="ja-JP" altLang="en-US" sz="4400" dirty="0" err="1" smtClean="0"/>
+              <a:t>る</a:t>
+            </a:r>
+            <a:r>
+              <a:rPr lang="ja-JP" altLang="en-US" sz="4400" dirty="0" smtClean="0"/>
+              <a:t>日程</a:t>
+            </a:r>
             <a:r>
               <a:rPr lang="ja-JP" altLang="en-US" sz="4400" dirty="0"/>
-              <a:t>    </a:t>
-            </a:r>
-            <a:r>
-              <a:rPr lang="ja-JP" altLang="en-US" sz="4400" dirty="0" err="1"/>
-              <a:t>れる</a:t>
+              <a:t>の情報提供ツイートの</a:t>
+            </a:r>
+            <a:r>
+              <a:rPr lang="ja-JP" altLang="en-US" sz="4400" dirty="0" smtClean="0"/>
+              <a:t>場合</a:t>
             </a:r>
             <a:r>
               <a:rPr lang="ja-JP" altLang="en-US" sz="4400" dirty="0"/>
-              <a:t>日程の情報提供ツイートの場合</a:t>
-            </a:r>
-            <a:r>
-              <a:rPr lang="en-US" altLang="ja-JP" sz="4400" dirty="0"/>
-              <a:t>,100</a:t>
+              <a:t>、</a:t>
+            </a:r>
+            <a:r>
+              <a:rPr lang="en-US" altLang="ja-JP" sz="4400" dirty="0" smtClean="0"/>
+              <a:t>100</a:t>
             </a:r>
             <a:r>
               <a:rPr lang="ja-JP" altLang="en-US" sz="4400" dirty="0"/>
@@ -4645,12 +4741,17 @@
             </a:r>
             <a:r>
               <a:rPr lang="ja-JP" altLang="en-US" sz="4400" dirty="0"/>
-              <a:t>人関係性があるという結果が出た</a:t>
-            </a:r>
-            <a:r>
-              <a:rPr lang="en-US" altLang="ja-JP" sz="4400" dirty="0"/>
-              <a:t>.</a:t>
-            </a:r>
+              <a:t>人関係性があるという結果が</a:t>
+            </a:r>
+            <a:r>
+              <a:rPr lang="ja-JP" altLang="en-US" sz="4400" dirty="0" smtClean="0"/>
+              <a:t>出た</a:t>
+            </a:r>
+            <a:r>
+              <a:rPr lang="ja-JP" altLang="en-US" sz="4400" dirty="0"/>
+              <a:t>。</a:t>
+            </a:r>
+            <a:endParaRPr lang="en-US" altLang="ja-JP" sz="4400" dirty="0"/>
           </a:p>
         </p:txBody>
       </p:sp>
@@ -4758,20 +4859,17 @@
             </a:r>
             <a:r>
               <a:rPr lang="ja-JP" altLang="en-US" sz="4400" dirty="0"/>
-              <a:t>まだデータの数が少ないので多くのツイートを分析して</a:t>
-            </a:r>
-            <a:r>
-              <a:rPr lang="ja-JP" altLang="en-US" sz="4400"/>
-              <a:t>いくことで仮説</a:t>
+              <a:t>まだデータの数が少ないので多くのツイートを分析していくことで仮説検証を</a:t>
+            </a:r>
+            <a:r>
+              <a:rPr lang="ja-JP" altLang="en-US" sz="4400" dirty="0" smtClean="0"/>
+              <a:t>行う</a:t>
             </a:r>
             <a:r>
               <a:rPr lang="ja-JP" altLang="en-US" sz="4400" dirty="0"/>
-              <a:t>検証を行う</a:t>
-            </a:r>
-            <a:r>
-              <a:rPr lang="en-US" altLang="ja-JP" sz="4400" dirty="0"/>
-              <a:t>.</a:t>
-            </a:r>
+              <a:t>。</a:t>
+            </a:r>
+            <a:endParaRPr lang="en-US" altLang="ja-JP" sz="4400" dirty="0"/>
           </a:p>
           <a:p>
             <a:r>
@@ -4780,7 +4878,11 @@
             </a:r>
             <a:r>
               <a:rPr lang="ja-JP" altLang="en-US" sz="4400" dirty="0"/>
-              <a:t>様々な条件のツイートを分析することで新たな仮説を発見する</a:t>
+              <a:t>様々な条件のツイートを分析することで新たな仮説を発見</a:t>
+            </a:r>
+            <a:r>
+              <a:rPr lang="ja-JP" altLang="en-US" sz="4400" dirty="0" smtClean="0"/>
+              <a:t>する。</a:t>
             </a:r>
             <a:endParaRPr kumimoji="1" lang="ja-JP" altLang="en-US" sz="4400" dirty="0"/>
           </a:p>

--- a/課題研究/2016/岩橋瑠伊/最終発表/1442014_岩橋瑠伊-ポスター.pptx
+++ b/課題研究/2016/岩橋瑠伊/最終発表/1442014_岩橋瑠伊-ポスター.pptx
@@ -4021,16 +4021,13 @@
                   <a:srgbClr val="00B0F0"/>
                 </a:solidFill>
               </a:rPr>
-              <a:t>この関係性の強弱をツイートの条件によって予測できるのではないかと考えた</a:t>
-            </a:r>
-            <a:r>
-              <a:rPr lang="en-US" altLang="ja-JP" sz="4400" dirty="0">
-                <a:solidFill>
-                  <a:srgbClr val="00B0F0"/>
-                </a:solidFill>
-              </a:rPr>
-              <a:t>.</a:t>
-            </a:r>
+              <a:t>この関係性の強弱をツイートの条件によって予測できるのではないかと考えた．</a:t>
+            </a:r>
+            <a:endParaRPr lang="en-US" altLang="ja-JP" sz="4400" dirty="0">
+              <a:solidFill>
+                <a:srgbClr val="00B0F0"/>
+              </a:solidFill>
+            </a:endParaRPr>
           </a:p>
         </p:txBody>
       </p:sp>
@@ -4058,19 +4055,7 @@
           <a:p>
             <a:r>
               <a:rPr lang="ja-JP" altLang="en-US" sz="4400" dirty="0"/>
-              <a:t>リツイートされたツイートの趣旨と</a:t>
-            </a:r>
-            <a:r>
-              <a:rPr lang="en-US" altLang="ja-JP" sz="4400" dirty="0"/>
-              <a:t>,</a:t>
-            </a:r>
-            <a:r>
-              <a:rPr lang="ja-JP" altLang="en-US" sz="4400" dirty="0"/>
-              <a:t>リツイートユーザーのツイートやプロフィールが関係するかを調べる</a:t>
-            </a:r>
-            <a:r>
-              <a:rPr lang="en-US" altLang="ja-JP" sz="4400" dirty="0"/>
-              <a:t>.</a:t>
+              <a:t>リツイートされたツイートの趣旨と，リツイートユーザーのツイートやプロフィールが関係するかを調べる．</a:t>
             </a:r>
             <a:endParaRPr kumimoji="1" lang="ja-JP" altLang="en-US" sz="4400" dirty="0"/>
           </a:p>
@@ -4192,12 +4177,9 @@
             </a:r>
             <a:r>
               <a:rPr kumimoji="1" lang="ja-JP" altLang="en-US" sz="4400" dirty="0"/>
-              <a:t>認証を行う</a:t>
-            </a:r>
-            <a:r>
-              <a:rPr kumimoji="1" lang="en-US" altLang="ja-JP" sz="4400" dirty="0"/>
-              <a:t>.</a:t>
-            </a:r>
+              <a:t>認証を行う．</a:t>
+            </a:r>
+            <a:endParaRPr kumimoji="1" lang="en-US" altLang="ja-JP" sz="4400" dirty="0"/>
           </a:p>
           <a:p>
             <a:r>
@@ -4214,11 +4196,7 @@
             </a:r>
             <a:r>
               <a:rPr lang="ja-JP" altLang="en-US" sz="4400" dirty="0"/>
-              <a:t>人取得する</a:t>
-            </a:r>
-            <a:r>
-              <a:rPr lang="en-US" altLang="ja-JP" sz="4400" dirty="0"/>
-              <a:t>.</a:t>
+              <a:t>人取得する．</a:t>
             </a:r>
             <a:endParaRPr kumimoji="1" lang="en-US" altLang="ja-JP" sz="4400" dirty="0"/>
           </a:p>
@@ -4241,12 +4219,9 @@
             </a:r>
             <a:r>
               <a:rPr lang="ja-JP" altLang="en-US" sz="4400" dirty="0"/>
-              <a:t>ツイートを取得する</a:t>
-            </a:r>
-            <a:r>
-              <a:rPr lang="en-US" altLang="ja-JP" sz="4400" dirty="0"/>
-              <a:t>.</a:t>
-            </a:r>
+              <a:t>ツイートを取得する．</a:t>
+            </a:r>
+            <a:endParaRPr lang="en-US" altLang="ja-JP" sz="4400" dirty="0"/>
           </a:p>
           <a:p>
             <a:r>
@@ -4271,15 +4246,7 @@
             </a:r>
             <a:r>
               <a:rPr lang="ja-JP" altLang="en-US" sz="4400" dirty="0"/>
-              <a:t>で形態素解析し</a:t>
-            </a:r>
-            <a:r>
-              <a:rPr lang="en-US" altLang="ja-JP" sz="4400" dirty="0"/>
-              <a:t>,</a:t>
-            </a:r>
-            <a:r>
-              <a:rPr lang="ja-JP" altLang="en-US" sz="4400" dirty="0"/>
-              <a:t>文章中に含まれる名詞に関し</a:t>
+              <a:t>で形態素解析し，文章中に含まれる名詞に関し</a:t>
             </a:r>
             <a:endParaRPr lang="en-US" altLang="ja-JP" sz="4400" dirty="0"/>
           </a:p>
@@ -4298,12 +4265,9 @@
             </a:r>
             <a:r>
               <a:rPr lang="ja-JP" altLang="en-US" sz="4400" dirty="0"/>
-              <a:t>で重み付けをするスクリプトを実行する</a:t>
-            </a:r>
-            <a:r>
-              <a:rPr lang="en-US" altLang="ja-JP" sz="4400" dirty="0"/>
-              <a:t>.</a:t>
-            </a:r>
+              <a:t>で重み付けをするスクリプトを実行する．</a:t>
+            </a:r>
+            <a:endParaRPr lang="en-US" altLang="ja-JP" sz="4400" dirty="0"/>
           </a:p>
           <a:p>
             <a:r>
@@ -4320,11 +4284,11 @@
             </a:r>
             <a:r>
               <a:rPr lang="ja-JP" altLang="en-US" sz="4400" dirty="0"/>
-              <a:t>名詞をチェックし</a:t>
+              <a:t>名詞をチェックし，</a:t>
             </a:r>
             <a:r>
               <a:rPr lang="en-US" altLang="ja-JP" sz="4400" dirty="0"/>
-              <a:t>,1</a:t>
+              <a:t>1</a:t>
             </a:r>
             <a:r>
               <a:rPr lang="ja-JP" altLang="en-US" sz="4400" dirty="0"/>
@@ -4342,24 +4306,9 @@
           <a:p>
             <a:r>
               <a:rPr lang="ja-JP" altLang="en-US" sz="4400" dirty="0"/>
-              <a:t>    係があると判断</a:t>
-            </a:r>
-            <a:r>
-              <a:rPr lang="en-US" altLang="ja-JP" sz="4400"/>
-              <a:t>.</a:t>
-            </a:r>
-            <a:r>
-              <a:rPr lang="ja-JP" altLang="en-US" sz="4400"/>
-              <a:t>そう</a:t>
-            </a:r>
-            <a:r>
-              <a:rPr lang="ja-JP" altLang="en-US" sz="4400" dirty="0"/>
-              <a:t>でない場合は無関係と判断する</a:t>
-            </a:r>
-            <a:r>
-              <a:rPr lang="en-US" altLang="ja-JP" sz="4400" dirty="0"/>
-              <a:t>.</a:t>
-            </a:r>
+              <a:t>    係があると判断．そうでない場合は無関係と判断する．</a:t>
+            </a:r>
+            <a:endParaRPr lang="en-US" altLang="ja-JP" sz="4400" dirty="0"/>
           </a:p>
         </p:txBody>
       </p:sp>
@@ -4407,7 +4356,7 @@
         <p:spPr>
           <a:xfrm>
             <a:off x="451425" y="20873332"/>
-            <a:ext cx="20151353" cy="5096934"/>
+            <a:ext cx="20319397" cy="5096934"/>
           </a:xfrm>
           <a:prstGeom prst="roundRect">
             <a:avLst/>
@@ -4448,7 +4397,7 @@
         <p:spPr>
           <a:xfrm>
             <a:off x="731633" y="20984285"/>
-            <a:ext cx="20031446" cy="4985980"/>
+            <a:ext cx="19871145" cy="4832092"/>
           </a:xfrm>
           <a:prstGeom prst="rect">
             <a:avLst/>
@@ -4456,7 +4405,7 @@
           <a:noFill/>
         </p:spPr>
         <p:txBody>
-          <a:bodyPr wrap="none" rtlCol="0">
+          <a:bodyPr wrap="square" rtlCol="0">
             <a:spAutoFit/>
           </a:bodyPr>
           <a:lstStyle/>
@@ -4509,12 +4458,9 @@
             </a:r>
             <a:r>
               <a:rPr lang="ja-JP" altLang="en-US" sz="4400" dirty="0"/>
-              <a:t>企業の公式アカウントが発信するその企業に関連した広告や告知ツイートの場合</a:t>
-            </a:r>
-            <a:r>
-              <a:rPr lang="en-US" altLang="ja-JP" sz="4400" dirty="0"/>
-              <a:t>,</a:t>
-            </a:r>
+              <a:t>企業の公式アカウントが発信するその企業に関連した広告や告知ツイートの場合，</a:t>
+            </a:r>
+            <a:endParaRPr lang="en-US" altLang="ja-JP" sz="4400" dirty="0"/>
           </a:p>
           <a:p>
             <a:r>
@@ -4531,12 +4477,9 @@
             </a:r>
             <a:r>
               <a:rPr lang="ja-JP" altLang="en-US" sz="4400" dirty="0"/>
-              <a:t>人関係性があるという結果が出た</a:t>
-            </a:r>
-            <a:r>
-              <a:rPr lang="en-US" altLang="ja-JP" sz="4400" dirty="0"/>
-              <a:t>.</a:t>
-            </a:r>
+              <a:t>人関係性があるという結果が出た．</a:t>
+            </a:r>
+            <a:endParaRPr lang="en-US" altLang="ja-JP" sz="4400" dirty="0"/>
           </a:p>
           <a:p>
             <a:r>
@@ -4545,23 +4488,7 @@
             </a:r>
             <a:r>
               <a:rPr lang="ja-JP" altLang="en-US" sz="4400" dirty="0"/>
-              <a:t>企業の公式アカウントではないが</a:t>
-            </a:r>
-            <a:r>
-              <a:rPr lang="en-US" altLang="ja-JP" sz="4400" dirty="0"/>
-              <a:t>, </a:t>
-            </a:r>
-            <a:r>
-              <a:rPr lang="ja-JP" altLang="en-US" sz="4400" dirty="0"/>
-              <a:t>一般のユーザーが</a:t>
-            </a:r>
-            <a:r>
-              <a:rPr lang="en-US" altLang="ja-JP" sz="4400" dirty="0"/>
-              <a:t>, </a:t>
-            </a:r>
-            <a:r>
-              <a:rPr lang="ja-JP" altLang="en-US" sz="4400" dirty="0"/>
-              <a:t>ある企業の情報等を紹介し</a:t>
+              <a:t>企業の公式アカウントではないが一般のユーザーがある企業の情報等を紹介し</a:t>
             </a:r>
             <a:endParaRPr lang="en-US" altLang="ja-JP" sz="4400" dirty="0"/>
           </a:p>
@@ -4576,11 +4503,11 @@
             </a:r>
             <a:r>
               <a:rPr lang="ja-JP" altLang="en-US" sz="4400" dirty="0"/>
-              <a:t>いるツイートの場合</a:t>
+              <a:t>いるツイートの場合，</a:t>
             </a:r>
             <a:r>
               <a:rPr lang="en-US" altLang="ja-JP" sz="4400" dirty="0"/>
-              <a:t>,100</a:t>
+              <a:t>100</a:t>
             </a:r>
             <a:r>
               <a:rPr lang="ja-JP" altLang="en-US" sz="4400" dirty="0"/>
@@ -4592,12 +4519,9 @@
             </a:r>
             <a:r>
               <a:rPr lang="ja-JP" altLang="en-US" sz="4400" dirty="0"/>
-              <a:t>人関係性があるという結果が出た</a:t>
-            </a:r>
-            <a:r>
-              <a:rPr lang="en-US" altLang="ja-JP" sz="4400" dirty="0"/>
-              <a:t>.</a:t>
-            </a:r>
+              <a:t>人関係性があるという結果が出た．</a:t>
+            </a:r>
+            <a:endParaRPr lang="en-US" altLang="ja-JP" sz="4400" dirty="0"/>
           </a:p>
           <a:p>
             <a:r>
@@ -4606,15 +4530,7 @@
             </a:r>
             <a:r>
               <a:rPr lang="ja-JP" altLang="en-US" sz="4400" dirty="0"/>
-              <a:t>多岐に渡る情報提供を行っている非公式アカウントによる</a:t>
-            </a:r>
-            <a:r>
-              <a:rPr lang="en-US" altLang="ja-JP" sz="4400" dirty="0"/>
-              <a:t>,</a:t>
-            </a:r>
-            <a:r>
-              <a:rPr lang="ja-JP" altLang="en-US" sz="4400" dirty="0"/>
-              <a:t>スーパームーンが見ら</a:t>
+              <a:t>多岐に渡る情報提供を行っている非公式アカウントによるスーパームーンが見ら</a:t>
             </a:r>
             <a:endParaRPr lang="en-US" altLang="ja-JP" sz="4400" dirty="0"/>
           </a:p>
@@ -4629,11 +4545,11 @@
             </a:r>
             <a:r>
               <a:rPr lang="ja-JP" altLang="en-US" sz="4400" dirty="0"/>
-              <a:t>日程の情報提供ツイートの場合</a:t>
+              <a:t>日程の情報提供ツイートの場合，</a:t>
             </a:r>
             <a:r>
               <a:rPr lang="en-US" altLang="ja-JP" sz="4400" dirty="0"/>
-              <a:t>,100</a:t>
+              <a:t>100</a:t>
             </a:r>
             <a:r>
               <a:rPr lang="ja-JP" altLang="en-US" sz="4400" dirty="0"/>
@@ -4645,12 +4561,9 @@
             </a:r>
             <a:r>
               <a:rPr lang="ja-JP" altLang="en-US" sz="4400" dirty="0"/>
-              <a:t>人関係性があるという結果が出た</a:t>
-            </a:r>
-            <a:r>
-              <a:rPr lang="en-US" altLang="ja-JP" sz="4400" dirty="0"/>
-              <a:t>.</a:t>
-            </a:r>
+              <a:t>人関係性があるという結果が出た．</a:t>
+            </a:r>
+            <a:endParaRPr lang="en-US" altLang="ja-JP" sz="4400" dirty="0"/>
           </a:p>
         </p:txBody>
       </p:sp>
@@ -4752,35 +4665,26 @@
           </a:bodyPr>
           <a:lstStyle/>
           <a:p>
-            <a:r>
-              <a:rPr lang="en-US" altLang="ja-JP" sz="4400" dirty="0"/>
-              <a:t>1. </a:t>
-            </a:r>
+            <a:pPr marL="742950" indent="-742950">
+              <a:buAutoNum type="arabicPeriod"/>
+            </a:pPr>
             <a:r>
               <a:rPr lang="ja-JP" altLang="en-US" sz="4400" dirty="0"/>
-              <a:t>まだデータの数が少ないので多くのツイートを分析して</a:t>
+              <a:t>まだデータの数が少ないので多くのツイートを分析していくことで仮説検証を行う．</a:t>
+            </a:r>
+            <a:endParaRPr lang="en-US" altLang="ja-JP" sz="4400" dirty="0"/>
+          </a:p>
+          <a:p>
+            <a:pPr marL="742950" indent="-742950">
+              <a:buAutoNum type="arabicPeriod"/>
+            </a:pPr>
+            <a:r>
+              <a:rPr lang="ja-JP" altLang="en-US" sz="4400" dirty="0"/>
+              <a:t>様々な条件のツイートを分析することで新たな仮説を</a:t>
             </a:r>
             <a:r>
               <a:rPr lang="ja-JP" altLang="en-US" sz="4400"/>
-              <a:t>いくことで仮説</a:t>
-            </a:r>
-            <a:r>
-              <a:rPr lang="ja-JP" altLang="en-US" sz="4400" dirty="0"/>
-              <a:t>検証を行う</a:t>
-            </a:r>
-            <a:r>
-              <a:rPr lang="en-US" altLang="ja-JP" sz="4400" dirty="0"/>
-              <a:t>.</a:t>
-            </a:r>
-          </a:p>
-          <a:p>
-            <a:r>
-              <a:rPr lang="en-US" altLang="ja-JP" sz="4400" dirty="0"/>
-              <a:t>2. </a:t>
-            </a:r>
-            <a:r>
-              <a:rPr lang="ja-JP" altLang="en-US" sz="4400" dirty="0"/>
-              <a:t>様々な条件のツイートを分析することで新たな仮説を発見する</a:t>
+              <a:t>発見する．</a:t>
             </a:r>
             <a:endParaRPr kumimoji="1" lang="ja-JP" altLang="en-US" sz="4400" dirty="0"/>
           </a:p>

--- a/課題研究/2016/岩橋瑠伊/最終発表/1442014_岩橋瑠伊-ポスター.pptx
+++ b/課題研究/2016/岩橋瑠伊/最終発表/1442014_岩橋瑠伊-ポスター.pptx
@@ -223,7 +223,7 @@
           <a:p>
             <a:fld id="{1355B614-8C80-42CD-A0C7-A8AC0A708725}" type="datetimeFigureOut">
               <a:rPr kumimoji="1" lang="ja-JP" altLang="en-US" smtClean="0"/>
-              <a:t>2016/12/14</a:t>
+              <a:t>2016/12/15</a:t>
             </a:fld>
             <a:endParaRPr kumimoji="1" lang="ja-JP" altLang="en-US"/>
           </a:p>
@@ -735,7 +735,7 @@
           <a:p>
             <a:fld id="{CD18CB5A-6947-405F-A94A-52FF85729738}" type="datetimeFigureOut">
               <a:rPr kumimoji="1" lang="ja-JP" altLang="en-US" smtClean="0"/>
-              <a:t>2016/12/14</a:t>
+              <a:t>2016/12/15</a:t>
             </a:fld>
             <a:endParaRPr kumimoji="1" lang="ja-JP" altLang="en-US"/>
           </a:p>
@@ -935,7 +935,7 @@
           <a:p>
             <a:fld id="{CD18CB5A-6947-405F-A94A-52FF85729738}" type="datetimeFigureOut">
               <a:rPr kumimoji="1" lang="ja-JP" altLang="en-US" smtClean="0"/>
-              <a:t>2016/12/14</a:t>
+              <a:t>2016/12/15</a:t>
             </a:fld>
             <a:endParaRPr kumimoji="1" lang="ja-JP" altLang="en-US"/>
           </a:p>
@@ -1145,7 +1145,7 @@
           <a:p>
             <a:fld id="{CD18CB5A-6947-405F-A94A-52FF85729738}" type="datetimeFigureOut">
               <a:rPr kumimoji="1" lang="ja-JP" altLang="en-US" smtClean="0"/>
-              <a:t>2016/12/14</a:t>
+              <a:t>2016/12/15</a:t>
             </a:fld>
             <a:endParaRPr kumimoji="1" lang="ja-JP" altLang="en-US"/>
           </a:p>
@@ -1345,7 +1345,7 @@
           <a:p>
             <a:fld id="{CD18CB5A-6947-405F-A94A-52FF85729738}" type="datetimeFigureOut">
               <a:rPr kumimoji="1" lang="ja-JP" altLang="en-US" smtClean="0"/>
-              <a:t>2016/12/14</a:t>
+              <a:t>2016/12/15</a:t>
             </a:fld>
             <a:endParaRPr kumimoji="1" lang="ja-JP" altLang="en-US"/>
           </a:p>
@@ -1590,7 +1590,7 @@
           <a:p>
             <a:fld id="{CD18CB5A-6947-405F-A94A-52FF85729738}" type="datetimeFigureOut">
               <a:rPr kumimoji="1" lang="ja-JP" altLang="en-US" smtClean="0"/>
-              <a:t>2016/12/14</a:t>
+              <a:t>2016/12/15</a:t>
             </a:fld>
             <a:endParaRPr kumimoji="1" lang="ja-JP" altLang="en-US"/>
           </a:p>
@@ -1883,7 +1883,7 @@
           <a:p>
             <a:fld id="{CD18CB5A-6947-405F-A94A-52FF85729738}" type="datetimeFigureOut">
               <a:rPr kumimoji="1" lang="ja-JP" altLang="en-US" smtClean="0"/>
-              <a:t>2016/12/14</a:t>
+              <a:t>2016/12/15</a:t>
             </a:fld>
             <a:endParaRPr kumimoji="1" lang="ja-JP" altLang="en-US"/>
           </a:p>
@@ -2311,7 +2311,7 @@
           <a:p>
             <a:fld id="{CD18CB5A-6947-405F-A94A-52FF85729738}" type="datetimeFigureOut">
               <a:rPr kumimoji="1" lang="ja-JP" altLang="en-US" smtClean="0"/>
-              <a:t>2016/12/14</a:t>
+              <a:t>2016/12/15</a:t>
             </a:fld>
             <a:endParaRPr kumimoji="1" lang="ja-JP" altLang="en-US"/>
           </a:p>
@@ -2428,7 +2428,7 @@
           <a:p>
             <a:fld id="{CD18CB5A-6947-405F-A94A-52FF85729738}" type="datetimeFigureOut">
               <a:rPr kumimoji="1" lang="ja-JP" altLang="en-US" smtClean="0"/>
-              <a:t>2016/12/14</a:t>
+              <a:t>2016/12/15</a:t>
             </a:fld>
             <a:endParaRPr kumimoji="1" lang="ja-JP" altLang="en-US"/>
           </a:p>
@@ -2523,7 +2523,7 @@
           <a:p>
             <a:fld id="{CD18CB5A-6947-405F-A94A-52FF85729738}" type="datetimeFigureOut">
               <a:rPr kumimoji="1" lang="ja-JP" altLang="en-US" smtClean="0"/>
-              <a:t>2016/12/14</a:t>
+              <a:t>2016/12/15</a:t>
             </a:fld>
             <a:endParaRPr kumimoji="1" lang="ja-JP" altLang="en-US"/>
           </a:p>
@@ -2830,7 +2830,7 @@
           <a:p>
             <a:fld id="{CD18CB5A-6947-405F-A94A-52FF85729738}" type="datetimeFigureOut">
               <a:rPr kumimoji="1" lang="ja-JP" altLang="en-US" smtClean="0"/>
-              <a:t>2016/12/14</a:t>
+              <a:t>2016/12/15</a:t>
             </a:fld>
             <a:endParaRPr kumimoji="1" lang="ja-JP" altLang="en-US"/>
           </a:p>
@@ -3082,7 +3082,7 @@
           <a:p>
             <a:fld id="{CD18CB5A-6947-405F-A94A-52FF85729738}" type="datetimeFigureOut">
               <a:rPr kumimoji="1" lang="ja-JP" altLang="en-US" smtClean="0"/>
-              <a:t>2016/12/14</a:t>
+              <a:t>2016/12/15</a:t>
             </a:fld>
             <a:endParaRPr kumimoji="1" lang="ja-JP" altLang="en-US"/>
           </a:p>
@@ -3325,7 +3325,7 @@
           <a:p>
             <a:fld id="{CD18CB5A-6947-405F-A94A-52FF85729738}" type="datetimeFigureOut">
               <a:rPr kumimoji="1" lang="ja-JP" altLang="en-US" smtClean="0"/>
-              <a:t>2016/12/14</a:t>
+              <a:t>2016/12/15</a:t>
             </a:fld>
             <a:endParaRPr kumimoji="1" lang="ja-JP" altLang="en-US"/>
           </a:p>
@@ -3754,6 +3754,20 @@
           <a:p>
             <a:pPr algn="ctr"/>
             <a:r>
+              <a:rPr lang="en-US" altLang="ja-JP" sz="6600" dirty="0">
+                <a:effectLst>
+                  <a:glow rad="101600">
+                    <a:srgbClr val="FFE880">
+                      <a:tint val="20000"/>
+                      <a:alpha val="60000"/>
+                    </a:srgbClr>
+                  </a:glow>
+                </a:effectLst>
+                <a:latin typeface="+mj-lt"/>
+              </a:rPr>
+              <a:t>Twitter</a:t>
+            </a:r>
+            <a:r>
               <a:rPr lang="ja-JP" altLang="en-US" sz="6600" dirty="0">
                 <a:effectLst>
                   <a:glow rad="101600">
@@ -3765,7 +3779,7 @@
                 </a:effectLst>
                 <a:latin typeface="+mj-lt"/>
               </a:rPr>
-              <a:t>リツイートユーザーとツイートの関係分析</a:t>
+              <a:t>ユーザーの興味とリツイート行為の関係分析</a:t>
             </a:r>
             <a:endParaRPr lang="en-US" altLang="ja-JP" sz="6600" dirty="0">
               <a:effectLst>
